--- a/sigcse17-corgis/graphics.pptx
+++ b/sigcse17-corgis/graphics.pptx
@@ -6,6 +6,7 @@
   </p:sldMasterIdLst>
   <p:sldIdLst>
     <p:sldId id="256" r:id="rId2"/>
+    <p:sldId id="257" r:id="rId3"/>
   </p:sldIdLst>
   <p:sldSz cx="12192000" cy="6858000"/>
   <p:notesSz cx="6858000" cy="9144000"/>
@@ -123,6 +124,3054 @@
 </p:presentation>
 </file>
 
+<file path=ppt/diagrams/colors1.xml><?xml version="1.0" encoding="utf-8"?>
+<dgm:colorsDef xmlns:dgm="http://schemas.openxmlformats.org/drawingml/2006/diagram" xmlns:a="http://schemas.openxmlformats.org/drawingml/2006/main" uniqueId="urn:microsoft.com/office/officeart/2005/8/colors/colorful5">
+  <dgm:title val=""/>
+  <dgm:desc val=""/>
+  <dgm:catLst>
+    <dgm:cat type="colorful" pri="10500"/>
+  </dgm:catLst>
+  <dgm:styleLbl name="node0">
+    <dgm:fillClrLst meth="repeat">
+      <a:schemeClr val="accent4"/>
+    </dgm:fillClrLst>
+    <dgm:linClrLst meth="repeat">
+      <a:schemeClr val="lt1"/>
+    </dgm:linClrLst>
+    <dgm:effectClrLst/>
+    <dgm:txLinClrLst/>
+    <dgm:txFillClrLst/>
+    <dgm:txEffectClrLst/>
+  </dgm:styleLbl>
+  <dgm:styleLbl name="node1">
+    <dgm:fillClrLst>
+      <a:schemeClr val="accent5"/>
+      <a:schemeClr val="accent6"/>
+    </dgm:fillClrLst>
+    <dgm:linClrLst meth="repeat">
+      <a:schemeClr val="lt1"/>
+    </dgm:linClrLst>
+    <dgm:effectClrLst/>
+    <dgm:txLinClrLst/>
+    <dgm:txFillClrLst/>
+    <dgm:txEffectClrLst/>
+  </dgm:styleLbl>
+  <dgm:styleLbl name="alignNode1">
+    <dgm:fillClrLst>
+      <a:schemeClr val="accent5"/>
+      <a:schemeClr val="accent6"/>
+    </dgm:fillClrLst>
+    <dgm:linClrLst>
+      <a:schemeClr val="accent5"/>
+      <a:schemeClr val="accent6"/>
+    </dgm:linClrLst>
+    <dgm:effectClrLst/>
+    <dgm:txLinClrLst/>
+    <dgm:txFillClrLst/>
+    <dgm:txEffectClrLst/>
+  </dgm:styleLbl>
+  <dgm:styleLbl name="lnNode1">
+    <dgm:fillClrLst>
+      <a:schemeClr val="accent5"/>
+      <a:schemeClr val="accent6"/>
+    </dgm:fillClrLst>
+    <dgm:linClrLst meth="repeat">
+      <a:schemeClr val="lt1"/>
+    </dgm:linClrLst>
+    <dgm:effectClrLst/>
+    <dgm:txLinClrLst/>
+    <dgm:txFillClrLst/>
+    <dgm:txEffectClrLst/>
+  </dgm:styleLbl>
+  <dgm:styleLbl name="vennNode1">
+    <dgm:fillClrLst>
+      <a:schemeClr val="accent5">
+        <a:alpha val="50000"/>
+      </a:schemeClr>
+      <a:schemeClr val="accent6">
+        <a:alpha val="50000"/>
+      </a:schemeClr>
+    </dgm:fillClrLst>
+    <dgm:linClrLst meth="repeat">
+      <a:schemeClr val="lt1"/>
+    </dgm:linClrLst>
+    <dgm:effectClrLst/>
+    <dgm:txLinClrLst/>
+    <dgm:txFillClrLst/>
+    <dgm:txEffectClrLst/>
+  </dgm:styleLbl>
+  <dgm:styleLbl name="node2">
+    <dgm:fillClrLst>
+      <a:schemeClr val="accent6"/>
+    </dgm:fillClrLst>
+    <dgm:linClrLst meth="repeat">
+      <a:schemeClr val="lt1"/>
+    </dgm:linClrLst>
+    <dgm:effectClrLst/>
+    <dgm:txLinClrLst/>
+    <dgm:txFillClrLst/>
+    <dgm:txEffectClrLst/>
+  </dgm:styleLbl>
+  <dgm:styleLbl name="node3">
+    <dgm:fillClrLst>
+      <a:schemeClr val="accent1"/>
+    </dgm:fillClrLst>
+    <dgm:linClrLst meth="repeat">
+      <a:schemeClr val="lt1"/>
+    </dgm:linClrLst>
+    <dgm:effectClrLst/>
+    <dgm:txLinClrLst/>
+    <dgm:txFillClrLst/>
+    <dgm:txEffectClrLst/>
+  </dgm:styleLbl>
+  <dgm:styleLbl name="node4">
+    <dgm:fillClrLst>
+      <a:schemeClr val="accent2"/>
+    </dgm:fillClrLst>
+    <dgm:linClrLst meth="repeat">
+      <a:schemeClr val="lt1"/>
+    </dgm:linClrLst>
+    <dgm:effectClrLst/>
+    <dgm:txLinClrLst/>
+    <dgm:txFillClrLst/>
+    <dgm:txEffectClrLst/>
+  </dgm:styleLbl>
+  <dgm:styleLbl name="fgImgPlace1">
+    <dgm:fillClrLst>
+      <a:schemeClr val="accent5">
+        <a:tint val="50000"/>
+      </a:schemeClr>
+      <a:schemeClr val="accent6">
+        <a:tint val="50000"/>
+      </a:schemeClr>
+    </dgm:fillClrLst>
+    <dgm:linClrLst meth="repeat">
+      <a:schemeClr val="lt1"/>
+    </dgm:linClrLst>
+    <dgm:effectClrLst/>
+    <dgm:txLinClrLst/>
+    <dgm:txFillClrLst meth="repeat">
+      <a:schemeClr val="lt1"/>
+    </dgm:txFillClrLst>
+    <dgm:txEffectClrLst/>
+  </dgm:styleLbl>
+  <dgm:styleLbl name="alignImgPlace1">
+    <dgm:fillClrLst>
+      <a:schemeClr val="accent5">
+        <a:tint val="50000"/>
+      </a:schemeClr>
+      <a:schemeClr val="accent6">
+        <a:tint val="20000"/>
+      </a:schemeClr>
+    </dgm:fillClrLst>
+    <dgm:linClrLst meth="repeat">
+      <a:schemeClr val="lt1"/>
+    </dgm:linClrLst>
+    <dgm:effectClrLst/>
+    <dgm:txLinClrLst/>
+    <dgm:txFillClrLst meth="repeat">
+      <a:schemeClr val="lt1"/>
+    </dgm:txFillClrLst>
+    <dgm:txEffectClrLst/>
+  </dgm:styleLbl>
+  <dgm:styleLbl name="bgImgPlace1">
+    <dgm:fillClrLst>
+      <a:schemeClr val="accent5">
+        <a:tint val="50000"/>
+      </a:schemeClr>
+      <a:schemeClr val="accent6">
+        <a:tint val="20000"/>
+      </a:schemeClr>
+    </dgm:fillClrLst>
+    <dgm:linClrLst meth="repeat">
+      <a:schemeClr val="lt1"/>
+    </dgm:linClrLst>
+    <dgm:effectClrLst/>
+    <dgm:txLinClrLst/>
+    <dgm:txFillClrLst meth="repeat">
+      <a:schemeClr val="lt1"/>
+    </dgm:txFillClrLst>
+    <dgm:txEffectClrLst/>
+  </dgm:styleLbl>
+  <dgm:styleLbl name="sibTrans2D1">
+    <dgm:fillClrLst>
+      <a:schemeClr val="accent5"/>
+      <a:schemeClr val="accent6"/>
+    </dgm:fillClrLst>
+    <dgm:linClrLst meth="repeat">
+      <a:schemeClr val="lt1"/>
+    </dgm:linClrLst>
+    <dgm:effectClrLst/>
+    <dgm:txLinClrLst/>
+    <dgm:txFillClrLst/>
+    <dgm:txEffectClrLst/>
+  </dgm:styleLbl>
+  <dgm:styleLbl name="fgSibTrans2D1">
+    <dgm:fillClrLst>
+      <a:schemeClr val="accent5"/>
+      <a:schemeClr val="accent6"/>
+    </dgm:fillClrLst>
+    <dgm:linClrLst meth="repeat">
+      <a:schemeClr val="lt1"/>
+    </dgm:linClrLst>
+    <dgm:effectClrLst/>
+    <dgm:txLinClrLst/>
+    <dgm:txFillClrLst meth="repeat">
+      <a:schemeClr val="lt1"/>
+    </dgm:txFillClrLst>
+    <dgm:txEffectClrLst/>
+  </dgm:styleLbl>
+  <dgm:styleLbl name="bgSibTrans2D1">
+    <dgm:fillClrLst>
+      <a:schemeClr val="accent5"/>
+      <a:schemeClr val="accent6"/>
+    </dgm:fillClrLst>
+    <dgm:linClrLst meth="repeat">
+      <a:schemeClr val="lt1"/>
+    </dgm:linClrLst>
+    <dgm:effectClrLst/>
+    <dgm:txLinClrLst/>
+    <dgm:txFillClrLst meth="repeat">
+      <a:schemeClr val="lt1"/>
+    </dgm:txFillClrLst>
+    <dgm:txEffectClrLst/>
+  </dgm:styleLbl>
+  <dgm:styleLbl name="sibTrans1D1">
+    <dgm:fillClrLst/>
+    <dgm:linClrLst>
+      <a:schemeClr val="accent5"/>
+      <a:schemeClr val="accent6"/>
+    </dgm:linClrLst>
+    <dgm:effectClrLst/>
+    <dgm:txLinClrLst/>
+    <dgm:txFillClrLst meth="repeat">
+      <a:schemeClr val="tx1"/>
+    </dgm:txFillClrLst>
+    <dgm:txEffectClrLst/>
+  </dgm:styleLbl>
+  <dgm:styleLbl name="callout">
+    <dgm:fillClrLst meth="repeat">
+      <a:schemeClr val="accent5"/>
+    </dgm:fillClrLst>
+    <dgm:linClrLst meth="repeat">
+      <a:schemeClr val="accent5">
+        <a:tint val="50000"/>
+      </a:schemeClr>
+    </dgm:linClrLst>
+    <dgm:effectClrLst/>
+    <dgm:txLinClrLst/>
+    <dgm:txFillClrLst meth="repeat">
+      <a:schemeClr val="tx1"/>
+    </dgm:txFillClrLst>
+    <dgm:txEffectClrLst/>
+  </dgm:styleLbl>
+  <dgm:styleLbl name="asst0">
+    <dgm:fillClrLst meth="repeat">
+      <a:schemeClr val="accent5"/>
+    </dgm:fillClrLst>
+    <dgm:linClrLst meth="repeat">
+      <a:schemeClr val="lt1">
+        <a:shade val="80000"/>
+      </a:schemeClr>
+    </dgm:linClrLst>
+    <dgm:effectClrLst/>
+    <dgm:txLinClrLst/>
+    <dgm:txFillClrLst/>
+    <dgm:txEffectClrLst/>
+  </dgm:styleLbl>
+  <dgm:styleLbl name="asst1">
+    <dgm:fillClrLst meth="repeat">
+      <a:schemeClr val="accent6"/>
+    </dgm:fillClrLst>
+    <dgm:linClrLst meth="repeat">
+      <a:schemeClr val="lt1">
+        <a:shade val="80000"/>
+      </a:schemeClr>
+    </dgm:linClrLst>
+    <dgm:effectClrLst/>
+    <dgm:txLinClrLst/>
+    <dgm:txFillClrLst/>
+    <dgm:txEffectClrLst/>
+  </dgm:styleLbl>
+  <dgm:styleLbl name="asst2">
+    <dgm:fillClrLst>
+      <a:schemeClr val="accent1"/>
+    </dgm:fillClrLst>
+    <dgm:linClrLst meth="repeat">
+      <a:schemeClr val="lt1"/>
+    </dgm:linClrLst>
+    <dgm:effectClrLst/>
+    <dgm:txLinClrLst/>
+    <dgm:txFillClrLst/>
+    <dgm:txEffectClrLst/>
+  </dgm:styleLbl>
+  <dgm:styleLbl name="asst3">
+    <dgm:fillClrLst>
+      <a:schemeClr val="accent2"/>
+    </dgm:fillClrLst>
+    <dgm:linClrLst meth="repeat">
+      <a:schemeClr val="lt1"/>
+    </dgm:linClrLst>
+    <dgm:effectClrLst/>
+    <dgm:txLinClrLst/>
+    <dgm:txFillClrLst/>
+    <dgm:txEffectClrLst/>
+  </dgm:styleLbl>
+  <dgm:styleLbl name="asst4">
+    <dgm:fillClrLst>
+      <a:schemeClr val="accent3"/>
+    </dgm:fillClrLst>
+    <dgm:linClrLst meth="repeat">
+      <a:schemeClr val="lt1"/>
+    </dgm:linClrLst>
+    <dgm:effectClrLst/>
+    <dgm:txLinClrLst/>
+    <dgm:txFillClrLst/>
+    <dgm:txEffectClrLst/>
+  </dgm:styleLbl>
+  <dgm:styleLbl name="parChTrans2D1">
+    <dgm:fillClrLst meth="repeat">
+      <a:schemeClr val="accent5"/>
+    </dgm:fillClrLst>
+    <dgm:linClrLst meth="repeat">
+      <a:schemeClr val="lt1"/>
+    </dgm:linClrLst>
+    <dgm:effectClrLst/>
+    <dgm:txLinClrLst/>
+    <dgm:txFillClrLst meth="repeat">
+      <a:schemeClr val="lt1"/>
+    </dgm:txFillClrLst>
+    <dgm:txEffectClrLst/>
+  </dgm:styleLbl>
+  <dgm:styleLbl name="parChTrans2D2">
+    <dgm:fillClrLst meth="repeat">
+      <a:schemeClr val="accent6"/>
+    </dgm:fillClrLst>
+    <dgm:linClrLst meth="repeat">
+      <a:schemeClr val="lt1"/>
+    </dgm:linClrLst>
+    <dgm:effectClrLst/>
+    <dgm:txLinClrLst/>
+    <dgm:txFillClrLst/>
+    <dgm:txEffectClrLst/>
+  </dgm:styleLbl>
+  <dgm:styleLbl name="parChTrans2D3">
+    <dgm:fillClrLst meth="repeat">
+      <a:schemeClr val="accent6"/>
+    </dgm:fillClrLst>
+    <dgm:linClrLst meth="repeat">
+      <a:schemeClr val="lt1"/>
+    </dgm:linClrLst>
+    <dgm:effectClrLst/>
+    <dgm:txLinClrLst/>
+    <dgm:txFillClrLst/>
+    <dgm:txEffectClrLst/>
+  </dgm:styleLbl>
+  <dgm:styleLbl name="parChTrans2D4">
+    <dgm:fillClrLst meth="repeat">
+      <a:schemeClr val="accent1"/>
+    </dgm:fillClrLst>
+    <dgm:linClrLst meth="repeat">
+      <a:schemeClr val="lt1"/>
+    </dgm:linClrLst>
+    <dgm:effectClrLst/>
+    <dgm:txLinClrLst/>
+    <dgm:txFillClrLst meth="repeat">
+      <a:schemeClr val="lt1"/>
+    </dgm:txFillClrLst>
+    <dgm:txEffectClrLst/>
+  </dgm:styleLbl>
+  <dgm:styleLbl name="parChTrans1D1">
+    <dgm:fillClrLst meth="repeat">
+      <a:schemeClr val="accent5"/>
+    </dgm:fillClrLst>
+    <dgm:linClrLst meth="repeat">
+      <a:schemeClr val="accent5"/>
+    </dgm:linClrLst>
+    <dgm:effectClrLst/>
+    <dgm:txLinClrLst/>
+    <dgm:txFillClrLst meth="repeat">
+      <a:schemeClr val="tx1"/>
+    </dgm:txFillClrLst>
+    <dgm:txEffectClrLst/>
+  </dgm:styleLbl>
+  <dgm:styleLbl name="parChTrans1D2">
+    <dgm:fillClrLst meth="repeat">
+      <a:schemeClr val="accent6">
+        <a:tint val="90000"/>
+      </a:schemeClr>
+    </dgm:fillClrLst>
+    <dgm:linClrLst meth="repeat">
+      <a:schemeClr val="accent6"/>
+    </dgm:linClrLst>
+    <dgm:effectClrLst/>
+    <dgm:txLinClrLst/>
+    <dgm:txFillClrLst meth="repeat">
+      <a:schemeClr val="tx1"/>
+    </dgm:txFillClrLst>
+    <dgm:txEffectClrLst/>
+  </dgm:styleLbl>
+  <dgm:styleLbl name="parChTrans1D3">
+    <dgm:fillClrLst meth="repeat">
+      <a:schemeClr val="accent6">
+        <a:tint val="70000"/>
+      </a:schemeClr>
+    </dgm:fillClrLst>
+    <dgm:linClrLst meth="repeat">
+      <a:schemeClr val="accent1"/>
+    </dgm:linClrLst>
+    <dgm:effectClrLst/>
+    <dgm:txLinClrLst/>
+    <dgm:txFillClrLst meth="repeat">
+      <a:schemeClr val="tx1"/>
+    </dgm:txFillClrLst>
+    <dgm:txEffectClrLst/>
+  </dgm:styleLbl>
+  <dgm:styleLbl name="parChTrans1D4">
+    <dgm:fillClrLst meth="repeat">
+      <a:schemeClr val="accent6">
+        <a:tint val="50000"/>
+      </a:schemeClr>
+    </dgm:fillClrLst>
+    <dgm:linClrLst meth="repeat">
+      <a:schemeClr val="accent2"/>
+    </dgm:linClrLst>
+    <dgm:effectClrLst/>
+    <dgm:txLinClrLst/>
+    <dgm:txFillClrLst meth="repeat">
+      <a:schemeClr val="tx1"/>
+    </dgm:txFillClrLst>
+    <dgm:txEffectClrLst/>
+  </dgm:styleLbl>
+  <dgm:styleLbl name="fgAcc1">
+    <dgm:fillClrLst meth="repeat">
+      <a:schemeClr val="lt1">
+        <a:alpha val="90000"/>
+      </a:schemeClr>
+    </dgm:fillClrLst>
+    <dgm:linClrLst>
+      <a:schemeClr val="accent5"/>
+      <a:schemeClr val="accent6"/>
+    </dgm:linClrLst>
+    <dgm:effectClrLst/>
+    <dgm:txLinClrLst/>
+    <dgm:txFillClrLst meth="repeat">
+      <a:schemeClr val="dk1"/>
+    </dgm:txFillClrLst>
+    <dgm:txEffectClrLst/>
+  </dgm:styleLbl>
+  <dgm:styleLbl name="conFgAcc1">
+    <dgm:fillClrLst meth="repeat">
+      <a:schemeClr val="lt1">
+        <a:alpha val="90000"/>
+      </a:schemeClr>
+    </dgm:fillClrLst>
+    <dgm:linClrLst>
+      <a:schemeClr val="accent5"/>
+      <a:schemeClr val="accent6"/>
+    </dgm:linClrLst>
+    <dgm:effectClrLst/>
+    <dgm:txLinClrLst/>
+    <dgm:txFillClrLst meth="repeat">
+      <a:schemeClr val="dk1"/>
+    </dgm:txFillClrLst>
+    <dgm:txEffectClrLst/>
+  </dgm:styleLbl>
+  <dgm:styleLbl name="alignAcc1">
+    <dgm:fillClrLst meth="repeat">
+      <a:schemeClr val="lt1">
+        <a:alpha val="90000"/>
+      </a:schemeClr>
+    </dgm:fillClrLst>
+    <dgm:linClrLst>
+      <a:schemeClr val="accent5"/>
+      <a:schemeClr val="accent6"/>
+    </dgm:linClrLst>
+    <dgm:effectClrLst/>
+    <dgm:txLinClrLst/>
+    <dgm:txFillClrLst meth="repeat">
+      <a:schemeClr val="dk1"/>
+    </dgm:txFillClrLst>
+    <dgm:txEffectClrLst/>
+  </dgm:styleLbl>
+  <dgm:styleLbl name="trAlignAcc1">
+    <dgm:fillClrLst meth="repeat">
+      <a:schemeClr val="lt1">
+        <a:alpha val="40000"/>
+      </a:schemeClr>
+    </dgm:fillClrLst>
+    <dgm:linClrLst meth="repeat">
+      <a:schemeClr val="accent5"/>
+    </dgm:linClrLst>
+    <dgm:effectClrLst/>
+    <dgm:txLinClrLst/>
+    <dgm:txFillClrLst meth="repeat">
+      <a:schemeClr val="dk1"/>
+    </dgm:txFillClrLst>
+    <dgm:txEffectClrLst/>
+  </dgm:styleLbl>
+  <dgm:styleLbl name="bgAcc1">
+    <dgm:fillClrLst meth="repeat">
+      <a:schemeClr val="lt1">
+        <a:alpha val="90000"/>
+      </a:schemeClr>
+    </dgm:fillClrLst>
+    <dgm:linClrLst>
+      <a:schemeClr val="accent5"/>
+      <a:schemeClr val="accent6"/>
+    </dgm:linClrLst>
+    <dgm:effectClrLst/>
+    <dgm:txLinClrLst/>
+    <dgm:txFillClrLst meth="repeat">
+      <a:schemeClr val="dk1"/>
+    </dgm:txFillClrLst>
+    <dgm:txEffectClrLst/>
+  </dgm:styleLbl>
+  <dgm:styleLbl name="solidFgAcc1">
+    <dgm:fillClrLst meth="repeat">
+      <a:schemeClr val="lt1"/>
+    </dgm:fillClrLst>
+    <dgm:linClrLst>
+      <a:schemeClr val="accent5"/>
+      <a:schemeClr val="accent6"/>
+    </dgm:linClrLst>
+    <dgm:effectClrLst/>
+    <dgm:txLinClrLst/>
+    <dgm:txFillClrLst meth="repeat">
+      <a:schemeClr val="dk1"/>
+    </dgm:txFillClrLst>
+    <dgm:txEffectClrLst/>
+  </dgm:styleLbl>
+  <dgm:styleLbl name="solidAlignAcc1">
+    <dgm:fillClrLst meth="repeat">
+      <a:schemeClr val="lt1"/>
+    </dgm:fillClrLst>
+    <dgm:linClrLst>
+      <a:schemeClr val="accent5"/>
+      <a:schemeClr val="accent6"/>
+    </dgm:linClrLst>
+    <dgm:effectClrLst/>
+    <dgm:txLinClrLst/>
+    <dgm:txFillClrLst meth="repeat">
+      <a:schemeClr val="dk1"/>
+    </dgm:txFillClrLst>
+    <dgm:txEffectClrLst/>
+  </dgm:styleLbl>
+  <dgm:styleLbl name="solidBgAcc1">
+    <dgm:fillClrLst meth="repeat">
+      <a:schemeClr val="lt1"/>
+    </dgm:fillClrLst>
+    <dgm:linClrLst>
+      <a:schemeClr val="accent5"/>
+      <a:schemeClr val="accent6"/>
+    </dgm:linClrLst>
+    <dgm:effectClrLst/>
+    <dgm:txLinClrLst/>
+    <dgm:txFillClrLst meth="repeat">
+      <a:schemeClr val="dk1"/>
+    </dgm:txFillClrLst>
+    <dgm:txEffectClrLst/>
+  </dgm:styleLbl>
+  <dgm:styleLbl name="fgAccFollowNode1">
+    <dgm:fillClrLst>
+      <a:schemeClr val="accent5">
+        <a:tint val="40000"/>
+        <a:alpha val="90000"/>
+      </a:schemeClr>
+      <a:schemeClr val="accent6">
+        <a:tint val="40000"/>
+        <a:alpha val="90000"/>
+      </a:schemeClr>
+    </dgm:fillClrLst>
+    <dgm:linClrLst>
+      <a:schemeClr val="accent5">
+        <a:tint val="40000"/>
+        <a:alpha val="90000"/>
+      </a:schemeClr>
+      <a:schemeClr val="accent5">
+        <a:tint val="40000"/>
+        <a:alpha val="90000"/>
+      </a:schemeClr>
+    </dgm:linClrLst>
+    <dgm:effectClrLst/>
+    <dgm:txLinClrLst/>
+    <dgm:txFillClrLst meth="repeat">
+      <a:schemeClr val="dk1"/>
+    </dgm:txFillClrLst>
+    <dgm:txEffectClrLst/>
+  </dgm:styleLbl>
+  <dgm:styleLbl name="alignAccFollowNode1">
+    <dgm:fillClrLst>
+      <a:schemeClr val="accent5">
+        <a:tint val="40000"/>
+        <a:alpha val="90000"/>
+      </a:schemeClr>
+      <a:schemeClr val="accent6">
+        <a:tint val="40000"/>
+        <a:alpha val="90000"/>
+      </a:schemeClr>
+    </dgm:fillClrLst>
+    <dgm:linClrLst>
+      <a:schemeClr val="accent5">
+        <a:tint val="40000"/>
+        <a:alpha val="90000"/>
+      </a:schemeClr>
+      <a:schemeClr val="accent6">
+        <a:tint val="40000"/>
+        <a:alpha val="90000"/>
+      </a:schemeClr>
+    </dgm:linClrLst>
+    <dgm:effectClrLst/>
+    <dgm:txLinClrLst/>
+    <dgm:txFillClrLst meth="repeat">
+      <a:schemeClr val="dk1"/>
+    </dgm:txFillClrLst>
+    <dgm:txEffectClrLst/>
+  </dgm:styleLbl>
+  <dgm:styleLbl name="bgAccFollowNode1">
+    <dgm:fillClrLst>
+      <a:schemeClr val="accent5">
+        <a:tint val="40000"/>
+        <a:alpha val="90000"/>
+      </a:schemeClr>
+      <a:schemeClr val="accent6">
+        <a:tint val="40000"/>
+        <a:alpha val="90000"/>
+      </a:schemeClr>
+    </dgm:fillClrLst>
+    <dgm:linClrLst>
+      <a:schemeClr val="accent5">
+        <a:tint val="40000"/>
+        <a:alpha val="90000"/>
+      </a:schemeClr>
+      <a:schemeClr val="accent6">
+        <a:tint val="40000"/>
+        <a:alpha val="90000"/>
+      </a:schemeClr>
+    </dgm:linClrLst>
+    <dgm:effectClrLst/>
+    <dgm:txLinClrLst/>
+    <dgm:txFillClrLst meth="repeat">
+      <a:schemeClr val="dk1"/>
+    </dgm:txFillClrLst>
+    <dgm:txEffectClrLst/>
+  </dgm:styleLbl>
+  <dgm:styleLbl name="fgAcc0">
+    <dgm:fillClrLst meth="repeat">
+      <a:schemeClr val="lt1">
+        <a:alpha val="90000"/>
+      </a:schemeClr>
+    </dgm:fillClrLst>
+    <dgm:linClrLst>
+      <a:schemeClr val="accent4"/>
+    </dgm:linClrLst>
+    <dgm:effectClrLst/>
+    <dgm:txLinClrLst/>
+    <dgm:txFillClrLst meth="repeat">
+      <a:schemeClr val="dk1"/>
+    </dgm:txFillClrLst>
+    <dgm:txEffectClrLst/>
+  </dgm:styleLbl>
+  <dgm:styleLbl name="fgAcc2">
+    <dgm:fillClrLst meth="repeat">
+      <a:schemeClr val="lt1">
+        <a:alpha val="90000"/>
+      </a:schemeClr>
+    </dgm:fillClrLst>
+    <dgm:linClrLst>
+      <a:schemeClr val="accent6"/>
+    </dgm:linClrLst>
+    <dgm:effectClrLst/>
+    <dgm:txLinClrLst/>
+    <dgm:txFillClrLst meth="repeat">
+      <a:schemeClr val="dk1"/>
+    </dgm:txFillClrLst>
+    <dgm:txEffectClrLst/>
+  </dgm:styleLbl>
+  <dgm:styleLbl name="fgAcc3">
+    <dgm:fillClrLst meth="repeat">
+      <a:schemeClr val="lt1">
+        <a:alpha val="90000"/>
+      </a:schemeClr>
+    </dgm:fillClrLst>
+    <dgm:linClrLst>
+      <a:schemeClr val="accent1"/>
+    </dgm:linClrLst>
+    <dgm:effectClrLst/>
+    <dgm:txLinClrLst/>
+    <dgm:txFillClrLst meth="repeat">
+      <a:schemeClr val="dk1"/>
+    </dgm:txFillClrLst>
+    <dgm:txEffectClrLst/>
+  </dgm:styleLbl>
+  <dgm:styleLbl name="fgAcc4">
+    <dgm:fillClrLst meth="repeat">
+      <a:schemeClr val="lt1">
+        <a:alpha val="90000"/>
+      </a:schemeClr>
+    </dgm:fillClrLst>
+    <dgm:linClrLst>
+      <a:schemeClr val="accent2"/>
+    </dgm:linClrLst>
+    <dgm:effectClrLst/>
+    <dgm:txLinClrLst/>
+    <dgm:txFillClrLst meth="repeat">
+      <a:schemeClr val="dk1"/>
+    </dgm:txFillClrLst>
+    <dgm:txEffectClrLst/>
+  </dgm:styleLbl>
+  <dgm:styleLbl name="bgShp">
+    <dgm:fillClrLst meth="repeat">
+      <a:schemeClr val="accent5">
+        <a:tint val="40000"/>
+      </a:schemeClr>
+    </dgm:fillClrLst>
+    <dgm:linClrLst meth="repeat">
+      <a:schemeClr val="dk1"/>
+    </dgm:linClrLst>
+    <dgm:effectClrLst/>
+    <dgm:txLinClrLst/>
+    <dgm:txFillClrLst meth="repeat">
+      <a:schemeClr val="dk1"/>
+    </dgm:txFillClrLst>
+    <dgm:txEffectClrLst/>
+  </dgm:styleLbl>
+  <dgm:styleLbl name="dkBgShp">
+    <dgm:fillClrLst meth="repeat">
+      <a:schemeClr val="accent5">
+        <a:shade val="90000"/>
+      </a:schemeClr>
+    </dgm:fillClrLst>
+    <dgm:linClrLst meth="repeat">
+      <a:schemeClr val="dk1"/>
+    </dgm:linClrLst>
+    <dgm:effectClrLst/>
+    <dgm:txLinClrLst/>
+    <dgm:txFillClrLst meth="repeat">
+      <a:schemeClr val="lt1"/>
+    </dgm:txFillClrLst>
+    <dgm:txEffectClrLst/>
+  </dgm:styleLbl>
+  <dgm:styleLbl name="trBgShp">
+    <dgm:fillClrLst meth="repeat">
+      <a:schemeClr val="accent5">
+        <a:tint val="50000"/>
+        <a:alpha val="40000"/>
+      </a:schemeClr>
+    </dgm:fillClrLst>
+    <dgm:linClrLst meth="repeat">
+      <a:schemeClr val="accent5"/>
+    </dgm:linClrLst>
+    <dgm:effectClrLst/>
+    <dgm:txLinClrLst/>
+    <dgm:txFillClrLst meth="repeat">
+      <a:schemeClr val="lt1"/>
+    </dgm:txFillClrLst>
+    <dgm:txEffectClrLst/>
+  </dgm:styleLbl>
+  <dgm:styleLbl name="fgShp">
+    <dgm:fillClrLst meth="repeat">
+      <a:schemeClr val="accent5">
+        <a:tint val="40000"/>
+      </a:schemeClr>
+    </dgm:fillClrLst>
+    <dgm:linClrLst meth="repeat">
+      <a:schemeClr val="lt1"/>
+    </dgm:linClrLst>
+    <dgm:effectClrLst/>
+    <dgm:txLinClrLst/>
+    <dgm:txFillClrLst meth="repeat">
+      <a:schemeClr val="dk1"/>
+    </dgm:txFillClrLst>
+    <dgm:txEffectClrLst/>
+  </dgm:styleLbl>
+  <dgm:styleLbl name="revTx">
+    <dgm:fillClrLst meth="repeat">
+      <a:schemeClr val="lt1">
+        <a:alpha val="0"/>
+      </a:schemeClr>
+    </dgm:fillClrLst>
+    <dgm:linClrLst meth="repeat">
+      <a:schemeClr val="dk1">
+        <a:alpha val="0"/>
+      </a:schemeClr>
+    </dgm:linClrLst>
+    <dgm:effectClrLst/>
+    <dgm:txLinClrLst/>
+    <dgm:txFillClrLst meth="repeat">
+      <a:schemeClr val="tx1"/>
+    </dgm:txFillClrLst>
+    <dgm:txEffectClrLst/>
+  </dgm:styleLbl>
+</dgm:colorsDef>
+</file>
+
+<file path=ppt/diagrams/data1.xml><?xml version="1.0" encoding="utf-8"?>
+<dgm:dataModel xmlns:dgm="http://schemas.openxmlformats.org/drawingml/2006/diagram" xmlns:a="http://schemas.openxmlformats.org/drawingml/2006/main">
+  <dgm:ptLst>
+    <dgm:pt modelId="{302ACBAA-0F64-4F63-B291-1ED82F2C5830}" type="doc">
+      <dgm:prSet loTypeId="urn:microsoft.com/office/officeart/2005/8/layout/chevron1" loCatId="process" qsTypeId="urn:microsoft.com/office/officeart/2005/8/quickstyle/simple1" qsCatId="simple" csTypeId="urn:microsoft.com/office/officeart/2005/8/colors/colorful5" csCatId="colorful" phldr="1"/>
+      <dgm:spPr/>
+      <dgm:t>
+        <a:bodyPr/>
+        <a:lstStyle/>
+        <a:p>
+          <a:endParaRPr lang="en-US"/>
+        </a:p>
+      </dgm:t>
+    </dgm:pt>
+    <dgm:pt modelId="{9D5EEDAC-4F5B-4D6A-AD9B-1716DA2BAE6F}">
+      <dgm:prSet phldrT="[Text]"/>
+      <dgm:spPr/>
+      <dgm:t>
+        <a:bodyPr/>
+        <a:lstStyle/>
+        <a:p>
+          <a:r>
+            <a:rPr lang="en-US" dirty="0"/>
+            <a:t>Verify Fields and Structure</a:t>
+          </a:r>
+          <a:endParaRPr lang="en-US" dirty="0"/>
+        </a:p>
+      </dgm:t>
+    </dgm:pt>
+    <dgm:pt modelId="{C55ECA41-ABEB-41C5-A059-4712746DA3A6}" type="parTrans" cxnId="{E5CE8317-9607-4A91-8816-2EADCD728759}">
+      <dgm:prSet/>
+      <dgm:spPr/>
+      <dgm:t>
+        <a:bodyPr/>
+        <a:lstStyle/>
+        <a:p>
+          <a:endParaRPr lang="en-US"/>
+        </a:p>
+      </dgm:t>
+    </dgm:pt>
+    <dgm:pt modelId="{31ED4814-3CA5-4340-9537-E43FF018FACC}" type="sibTrans" cxnId="{E5CE8317-9607-4A91-8816-2EADCD728759}">
+      <dgm:prSet/>
+      <dgm:spPr/>
+      <dgm:t>
+        <a:bodyPr/>
+        <a:lstStyle/>
+        <a:p>
+          <a:endParaRPr lang="en-US"/>
+        </a:p>
+      </dgm:t>
+    </dgm:pt>
+    <dgm:pt modelId="{DAD1EA33-2C15-4E3D-8DE2-DD823964CE84}">
+      <dgm:prSet phldrT="[Text]"/>
+      <dgm:spPr/>
+      <dgm:t>
+        <a:bodyPr/>
+        <a:lstStyle/>
+        <a:p>
+          <a:r>
+            <a:rPr lang="en-US" dirty="0"/>
+            <a:t>Expand Specification into Model</a:t>
+          </a:r>
+        </a:p>
+      </dgm:t>
+    </dgm:pt>
+    <dgm:pt modelId="{F81763A7-FBB2-46FF-956A-F8CB3244CA9B}" type="parTrans" cxnId="{752D8810-2BBC-4E5E-85E2-88AB8964D519}">
+      <dgm:prSet/>
+      <dgm:spPr/>
+      <dgm:t>
+        <a:bodyPr/>
+        <a:lstStyle/>
+        <a:p>
+          <a:endParaRPr lang="en-US"/>
+        </a:p>
+      </dgm:t>
+    </dgm:pt>
+    <dgm:pt modelId="{19300F5F-51BC-4522-817B-EA547BB8ABC9}" type="sibTrans" cxnId="{752D8810-2BBC-4E5E-85E2-88AB8964D519}">
+      <dgm:prSet/>
+      <dgm:spPr/>
+      <dgm:t>
+        <a:bodyPr/>
+        <a:lstStyle/>
+        <a:p>
+          <a:endParaRPr lang="en-US"/>
+        </a:p>
+      </dgm:t>
+    </dgm:pt>
+    <dgm:pt modelId="{2C7FA436-3E94-47D7-9500-7F733F565025}">
+      <dgm:prSet phldrT="[Text]"/>
+      <dgm:spPr/>
+      <dgm:t>
+        <a:bodyPr/>
+        <a:lstStyle/>
+        <a:p>
+          <a:r>
+            <a:rPr lang="en-US" dirty="0"/>
+            <a:t>Expand Templates to Generate Source Files and Documentation</a:t>
+          </a:r>
+        </a:p>
+      </dgm:t>
+    </dgm:pt>
+    <dgm:pt modelId="{EAD7973E-E76E-4A9C-A665-9D29DFA15636}" type="parTrans" cxnId="{A4DD96CD-0E2D-4674-89A9-44B0EA9D5474}">
+      <dgm:prSet/>
+      <dgm:spPr/>
+      <dgm:t>
+        <a:bodyPr/>
+        <a:lstStyle/>
+        <a:p>
+          <a:endParaRPr lang="en-US"/>
+        </a:p>
+      </dgm:t>
+    </dgm:pt>
+    <dgm:pt modelId="{7BC13B4A-9985-495C-8F56-FF2AF3A19856}" type="sibTrans" cxnId="{A4DD96CD-0E2D-4674-89A9-44B0EA9D5474}">
+      <dgm:prSet/>
+      <dgm:spPr/>
+      <dgm:t>
+        <a:bodyPr/>
+        <a:lstStyle/>
+        <a:p>
+          <a:endParaRPr lang="en-US"/>
+        </a:p>
+      </dgm:t>
+    </dgm:pt>
+    <dgm:pt modelId="{608F2000-D9A7-4D9C-8338-DD2914ED02DB}">
+      <dgm:prSet phldrT="[Text]"/>
+      <dgm:spPr/>
+      <dgm:t>
+        <a:bodyPr/>
+        <a:lstStyle/>
+        <a:p>
+          <a:r>
+            <a:rPr lang="en-US" dirty="0"/>
+            <a:t>Update Internal and External Indexes</a:t>
+          </a:r>
+        </a:p>
+      </dgm:t>
+    </dgm:pt>
+    <dgm:pt modelId="{3A3C1725-638E-4622-B21F-576B02548DD1}" type="parTrans" cxnId="{DB237335-71C7-4065-A3E3-FF281DA51C86}">
+      <dgm:prSet/>
+      <dgm:spPr/>
+      <dgm:t>
+        <a:bodyPr/>
+        <a:lstStyle/>
+        <a:p>
+          <a:endParaRPr lang="en-US"/>
+        </a:p>
+      </dgm:t>
+    </dgm:pt>
+    <dgm:pt modelId="{DEDF81C5-D277-4729-AD94-2C671A902116}" type="sibTrans" cxnId="{DB237335-71C7-4065-A3E3-FF281DA51C86}">
+      <dgm:prSet/>
+      <dgm:spPr/>
+      <dgm:t>
+        <a:bodyPr/>
+        <a:lstStyle/>
+        <a:p>
+          <a:endParaRPr lang="en-US"/>
+        </a:p>
+      </dgm:t>
+    </dgm:pt>
+    <dgm:pt modelId="{C011F647-10E6-4226-9046-F98C97A103DF}">
+      <dgm:prSet phldrT="[Text]"/>
+      <dgm:spPr/>
+      <dgm:t>
+        <a:bodyPr/>
+        <a:lstStyle/>
+        <a:p>
+          <a:r>
+            <a:rPr lang="en-US" dirty="0"/>
+            <a:t>Compiler</a:t>
+          </a:r>
+        </a:p>
+      </dgm:t>
+    </dgm:pt>
+    <dgm:pt modelId="{F80FA71E-227F-4A50-8CD1-3CF8B5C26156}" type="parTrans" cxnId="{F78915D2-AE36-45DF-89DB-7E7F00CE8BA8}">
+      <dgm:prSet/>
+      <dgm:spPr/>
+      <dgm:t>
+        <a:bodyPr/>
+        <a:lstStyle/>
+        <a:p>
+          <a:endParaRPr lang="en-US"/>
+        </a:p>
+      </dgm:t>
+    </dgm:pt>
+    <dgm:pt modelId="{8953FEFE-A66A-4FAD-A683-E191120620D2}" type="sibTrans" cxnId="{F78915D2-AE36-45DF-89DB-7E7F00CE8BA8}">
+      <dgm:prSet/>
+      <dgm:spPr/>
+      <dgm:t>
+        <a:bodyPr/>
+        <a:lstStyle/>
+        <a:p>
+          <a:endParaRPr lang="en-US"/>
+        </a:p>
+      </dgm:t>
+    </dgm:pt>
+    <dgm:pt modelId="{006F1B15-FD62-4055-9390-6E176037C65C}">
+      <dgm:prSet phldrT="[Text]"/>
+      <dgm:spPr/>
+      <dgm:t>
+        <a:bodyPr/>
+        <a:lstStyle/>
+        <a:p>
+          <a:r>
+            <a:rPr lang="en-US" dirty="0"/>
+            <a:t>Language-Specific Builder</a:t>
+          </a:r>
+        </a:p>
+      </dgm:t>
+    </dgm:pt>
+    <dgm:pt modelId="{FE3AFAB4-1A87-4C24-A351-D563199D0B85}" type="parTrans" cxnId="{C2544EAA-03D7-4F78-9164-A241B788F721}">
+      <dgm:prSet/>
+      <dgm:spPr/>
+      <dgm:t>
+        <a:bodyPr/>
+        <a:lstStyle/>
+        <a:p>
+          <a:endParaRPr lang="en-US"/>
+        </a:p>
+      </dgm:t>
+    </dgm:pt>
+    <dgm:pt modelId="{DCDD9266-F938-42FB-8562-87B3B98CDED9}" type="sibTrans" cxnId="{C2544EAA-03D7-4F78-9164-A241B788F721}">
+      <dgm:prSet/>
+      <dgm:spPr/>
+      <dgm:t>
+        <a:bodyPr/>
+        <a:lstStyle/>
+        <a:p>
+          <a:endParaRPr lang="en-US"/>
+        </a:p>
+      </dgm:t>
+    </dgm:pt>
+    <dgm:pt modelId="{FE355BD7-C80B-4335-8C85-68476ADFEC36}">
+      <dgm:prSet phldrT="[Text]"/>
+      <dgm:spPr/>
+      <dgm:t>
+        <a:bodyPr/>
+        <a:lstStyle/>
+        <a:p>
+          <a:r>
+            <a:rPr lang="en-US" dirty="0"/>
+            <a:t>Finalize</a:t>
+          </a:r>
+        </a:p>
+      </dgm:t>
+    </dgm:pt>
+    <dgm:pt modelId="{67C28980-280B-42A5-B0C2-07CF25F31D3C}" type="parTrans" cxnId="{05684A13-9B9D-4920-B9DA-1A51ACBBE952}">
+      <dgm:prSet/>
+      <dgm:spPr/>
+      <dgm:t>
+        <a:bodyPr/>
+        <a:lstStyle/>
+        <a:p>
+          <a:endParaRPr lang="en-US"/>
+        </a:p>
+      </dgm:t>
+    </dgm:pt>
+    <dgm:pt modelId="{F6A5C950-9459-4117-8B50-DE3525A944D4}" type="sibTrans" cxnId="{05684A13-9B9D-4920-B9DA-1A51ACBBE952}">
+      <dgm:prSet/>
+      <dgm:spPr/>
+      <dgm:t>
+        <a:bodyPr/>
+        <a:lstStyle/>
+        <a:p>
+          <a:endParaRPr lang="en-US"/>
+        </a:p>
+      </dgm:t>
+    </dgm:pt>
+    <dgm:pt modelId="{27BCB964-66BC-4A9E-9E39-BC0E4947FAA8}">
+      <dgm:prSet phldrT="[Text]"/>
+      <dgm:spPr/>
+      <dgm:t>
+        <a:bodyPr/>
+        <a:lstStyle/>
+        <a:p>
+          <a:r>
+            <a:rPr lang="en-US" dirty="0"/>
+            <a:t>Transport and Organize Files for Deployment</a:t>
+          </a:r>
+          <a:endParaRPr lang="en-US" dirty="0"/>
+        </a:p>
+      </dgm:t>
+    </dgm:pt>
+    <dgm:pt modelId="{E60E729E-4311-4EF6-AFBE-83790DE0E3E6}" type="parTrans" cxnId="{0BD4F2D3-D3A7-4B51-BE1E-BE16E7F1644E}">
+      <dgm:prSet/>
+      <dgm:spPr/>
+      <dgm:t>
+        <a:bodyPr/>
+        <a:lstStyle/>
+        <a:p>
+          <a:endParaRPr lang="en-US"/>
+        </a:p>
+      </dgm:t>
+    </dgm:pt>
+    <dgm:pt modelId="{911EFFB5-3D85-4F8E-9F33-FCA4C60D9B90}" type="sibTrans" cxnId="{0BD4F2D3-D3A7-4B51-BE1E-BE16E7F1644E}">
+      <dgm:prSet/>
+      <dgm:spPr/>
+      <dgm:t>
+        <a:bodyPr/>
+        <a:lstStyle/>
+        <a:p>
+          <a:endParaRPr lang="en-US"/>
+        </a:p>
+      </dgm:t>
+    </dgm:pt>
+    <dgm:pt modelId="{E67C5C18-D501-4254-8820-69E6F99C317C}">
+      <dgm:prSet phldrT="[Text]"/>
+      <dgm:spPr/>
+      <dgm:t>
+        <a:bodyPr/>
+        <a:lstStyle/>
+        <a:p>
+          <a:r>
+            <a:rPr lang="en-US" dirty="0"/>
+            <a:t>Prepare datasets</a:t>
+          </a:r>
+        </a:p>
+      </dgm:t>
+    </dgm:pt>
+    <dgm:pt modelId="{EFA475CA-5831-43DA-AD24-A4B2371BCC9D}" type="parTrans" cxnId="{BE7729B5-1715-437E-97EC-ABC980531CBE}">
+      <dgm:prSet/>
+      <dgm:spPr/>
+      <dgm:t>
+        <a:bodyPr/>
+        <a:lstStyle/>
+        <a:p>
+          <a:endParaRPr lang="en-US"/>
+        </a:p>
+      </dgm:t>
+    </dgm:pt>
+    <dgm:pt modelId="{70748BAE-6D49-406A-B800-CF93C990BF9A}" type="sibTrans" cxnId="{BE7729B5-1715-437E-97EC-ABC980531CBE}">
+      <dgm:prSet/>
+      <dgm:spPr/>
+      <dgm:t>
+        <a:bodyPr/>
+        <a:lstStyle/>
+        <a:p>
+          <a:endParaRPr lang="en-US"/>
+        </a:p>
+      </dgm:t>
+    </dgm:pt>
+    <dgm:pt modelId="{B880916F-E2DC-4150-9842-891125F3FF03}" type="pres">
+      <dgm:prSet presAssocID="{302ACBAA-0F64-4F63-B291-1ED82F2C5830}" presName="Name0" presStyleCnt="0">
+        <dgm:presLayoutVars>
+          <dgm:dir/>
+          <dgm:animLvl val="lvl"/>
+          <dgm:resizeHandles val="exact"/>
+        </dgm:presLayoutVars>
+      </dgm:prSet>
+      <dgm:spPr/>
+    </dgm:pt>
+    <dgm:pt modelId="{062C537F-227F-4B22-8E2F-C881F7D81EED}" type="pres">
+      <dgm:prSet presAssocID="{C011F647-10E6-4226-9046-F98C97A103DF}" presName="composite" presStyleCnt="0"/>
+      <dgm:spPr/>
+    </dgm:pt>
+    <dgm:pt modelId="{870A8D27-AFB2-4E73-A715-52DB563E3107}" type="pres">
+      <dgm:prSet presAssocID="{C011F647-10E6-4226-9046-F98C97A103DF}" presName="parTx" presStyleLbl="node1" presStyleIdx="0" presStyleCnt="3">
+        <dgm:presLayoutVars>
+          <dgm:chMax val="0"/>
+          <dgm:chPref val="0"/>
+          <dgm:bulletEnabled val="1"/>
+        </dgm:presLayoutVars>
+      </dgm:prSet>
+      <dgm:spPr/>
+    </dgm:pt>
+    <dgm:pt modelId="{21DBF1E4-0CEB-4A31-8E53-6BCD6B490505}" type="pres">
+      <dgm:prSet presAssocID="{C011F647-10E6-4226-9046-F98C97A103DF}" presName="desTx" presStyleLbl="revTx" presStyleIdx="0" presStyleCnt="3">
+        <dgm:presLayoutVars>
+          <dgm:bulletEnabled val="1"/>
+        </dgm:presLayoutVars>
+      </dgm:prSet>
+      <dgm:spPr/>
+    </dgm:pt>
+    <dgm:pt modelId="{93686B1E-3E52-4F1C-B82C-A1FE4E027B7A}" type="pres">
+      <dgm:prSet presAssocID="{8953FEFE-A66A-4FAD-A683-E191120620D2}" presName="space" presStyleCnt="0"/>
+      <dgm:spPr/>
+    </dgm:pt>
+    <dgm:pt modelId="{7CC52F92-9817-496D-BEB6-C0ACE6679B4F}" type="pres">
+      <dgm:prSet presAssocID="{006F1B15-FD62-4055-9390-6E176037C65C}" presName="composite" presStyleCnt="0"/>
+      <dgm:spPr/>
+    </dgm:pt>
+    <dgm:pt modelId="{54029501-FFE1-4B93-BCD2-4347365E8B9D}" type="pres">
+      <dgm:prSet presAssocID="{006F1B15-FD62-4055-9390-6E176037C65C}" presName="parTx" presStyleLbl="node1" presStyleIdx="1" presStyleCnt="3">
+        <dgm:presLayoutVars>
+          <dgm:chMax val="0"/>
+          <dgm:chPref val="0"/>
+          <dgm:bulletEnabled val="1"/>
+        </dgm:presLayoutVars>
+      </dgm:prSet>
+      <dgm:spPr/>
+    </dgm:pt>
+    <dgm:pt modelId="{4EEB84C0-F03B-4C10-B53C-30BB2923AA04}" type="pres">
+      <dgm:prSet presAssocID="{006F1B15-FD62-4055-9390-6E176037C65C}" presName="desTx" presStyleLbl="revTx" presStyleIdx="1" presStyleCnt="3">
+        <dgm:presLayoutVars>
+          <dgm:bulletEnabled val="1"/>
+        </dgm:presLayoutVars>
+      </dgm:prSet>
+      <dgm:spPr/>
+    </dgm:pt>
+    <dgm:pt modelId="{84E9F0A6-C16F-4A4E-A450-2BDCA66CCA5F}" type="pres">
+      <dgm:prSet presAssocID="{DCDD9266-F938-42FB-8562-87B3B98CDED9}" presName="space" presStyleCnt="0"/>
+      <dgm:spPr/>
+    </dgm:pt>
+    <dgm:pt modelId="{6CC91B17-F1D2-430B-AC5B-6FCB03BDC5A6}" type="pres">
+      <dgm:prSet presAssocID="{FE355BD7-C80B-4335-8C85-68476ADFEC36}" presName="composite" presStyleCnt="0"/>
+      <dgm:spPr/>
+    </dgm:pt>
+    <dgm:pt modelId="{6352F0C4-0A88-408F-8E91-AA4A5D816729}" type="pres">
+      <dgm:prSet presAssocID="{FE355BD7-C80B-4335-8C85-68476ADFEC36}" presName="parTx" presStyleLbl="node1" presStyleIdx="2" presStyleCnt="3">
+        <dgm:presLayoutVars>
+          <dgm:chMax val="0"/>
+          <dgm:chPref val="0"/>
+          <dgm:bulletEnabled val="1"/>
+        </dgm:presLayoutVars>
+      </dgm:prSet>
+      <dgm:spPr/>
+    </dgm:pt>
+    <dgm:pt modelId="{6433AEE2-930B-4A15-B0BF-D60A9EF9550B}" type="pres">
+      <dgm:prSet presAssocID="{FE355BD7-C80B-4335-8C85-68476ADFEC36}" presName="desTx" presStyleLbl="revTx" presStyleIdx="2" presStyleCnt="3">
+        <dgm:presLayoutVars>
+          <dgm:bulletEnabled val="1"/>
+        </dgm:presLayoutVars>
+      </dgm:prSet>
+      <dgm:spPr/>
+    </dgm:pt>
+  </dgm:ptLst>
+  <dgm:cxnLst>
+    <dgm:cxn modelId="{05684A13-9B9D-4920-B9DA-1A51ACBBE952}" srcId="{302ACBAA-0F64-4F63-B291-1ED82F2C5830}" destId="{FE355BD7-C80B-4335-8C85-68476ADFEC36}" srcOrd="2" destOrd="0" parTransId="{67C28980-280B-42A5-B0C2-07CF25F31D3C}" sibTransId="{F6A5C950-9459-4117-8B50-DE3525A944D4}"/>
+    <dgm:cxn modelId="{E7ED6206-574C-4A90-87E7-AF9686815DD2}" type="presOf" srcId="{DAD1EA33-2C15-4E3D-8DE2-DD823964CE84}" destId="{21DBF1E4-0CEB-4A31-8E53-6BCD6B490505}" srcOrd="0" destOrd="1" presId="urn:microsoft.com/office/officeart/2005/8/layout/chevron1"/>
+    <dgm:cxn modelId="{E5CE8317-9607-4A91-8816-2EADCD728759}" srcId="{C011F647-10E6-4226-9046-F98C97A103DF}" destId="{9D5EEDAC-4F5B-4D6A-AD9B-1716DA2BAE6F}" srcOrd="0" destOrd="0" parTransId="{C55ECA41-ABEB-41C5-A059-4712746DA3A6}" sibTransId="{31ED4814-3CA5-4340-9537-E43FF018FACC}"/>
+    <dgm:cxn modelId="{1B691CFB-ACCB-4CAA-AB18-92ED967AD957}" type="presOf" srcId="{FE355BD7-C80B-4335-8C85-68476ADFEC36}" destId="{6352F0C4-0A88-408F-8E91-AA4A5D816729}" srcOrd="0" destOrd="0" presId="urn:microsoft.com/office/officeart/2005/8/layout/chevron1"/>
+    <dgm:cxn modelId="{BE7729B5-1715-437E-97EC-ABC980531CBE}" srcId="{006F1B15-FD62-4055-9390-6E176037C65C}" destId="{E67C5C18-D501-4254-8820-69E6F99C317C}" srcOrd="1" destOrd="0" parTransId="{EFA475CA-5831-43DA-AD24-A4B2371BCC9D}" sibTransId="{70748BAE-6D49-406A-B800-CF93C990BF9A}"/>
+    <dgm:cxn modelId="{0F1B8622-B74A-4874-9EFD-141C463D44B9}" type="presOf" srcId="{006F1B15-FD62-4055-9390-6E176037C65C}" destId="{54029501-FFE1-4B93-BCD2-4347365E8B9D}" srcOrd="0" destOrd="0" presId="urn:microsoft.com/office/officeart/2005/8/layout/chevron1"/>
+    <dgm:cxn modelId="{C2544EAA-03D7-4F78-9164-A241B788F721}" srcId="{302ACBAA-0F64-4F63-B291-1ED82F2C5830}" destId="{006F1B15-FD62-4055-9390-6E176037C65C}" srcOrd="1" destOrd="0" parTransId="{FE3AFAB4-1A87-4C24-A351-D563199D0B85}" sibTransId="{DCDD9266-F938-42FB-8562-87B3B98CDED9}"/>
+    <dgm:cxn modelId="{A4DD96CD-0E2D-4674-89A9-44B0EA9D5474}" srcId="{006F1B15-FD62-4055-9390-6E176037C65C}" destId="{2C7FA436-3E94-47D7-9500-7F733F565025}" srcOrd="0" destOrd="0" parTransId="{EAD7973E-E76E-4A9C-A665-9D29DFA15636}" sibTransId="{7BC13B4A-9985-495C-8F56-FF2AF3A19856}"/>
+    <dgm:cxn modelId="{320F3AAA-3634-448C-8BDB-CAE0D754D747}" type="presOf" srcId="{E67C5C18-D501-4254-8820-69E6F99C317C}" destId="{4EEB84C0-F03B-4C10-B53C-30BB2923AA04}" srcOrd="0" destOrd="1" presId="urn:microsoft.com/office/officeart/2005/8/layout/chevron1"/>
+    <dgm:cxn modelId="{FC724A17-4BC7-4F16-8024-91C461332D06}" type="presOf" srcId="{2C7FA436-3E94-47D7-9500-7F733F565025}" destId="{4EEB84C0-F03B-4C10-B53C-30BB2923AA04}" srcOrd="0" destOrd="0" presId="urn:microsoft.com/office/officeart/2005/8/layout/chevron1"/>
+    <dgm:cxn modelId="{EF6428A5-B14D-4EB4-A584-67F3487437C0}" type="presOf" srcId="{C011F647-10E6-4226-9046-F98C97A103DF}" destId="{870A8D27-AFB2-4E73-A715-52DB563E3107}" srcOrd="0" destOrd="0" presId="urn:microsoft.com/office/officeart/2005/8/layout/chevron1"/>
+    <dgm:cxn modelId="{F78915D2-AE36-45DF-89DB-7E7F00CE8BA8}" srcId="{302ACBAA-0F64-4F63-B291-1ED82F2C5830}" destId="{C011F647-10E6-4226-9046-F98C97A103DF}" srcOrd="0" destOrd="0" parTransId="{F80FA71E-227F-4A50-8CD1-3CF8B5C26156}" sibTransId="{8953FEFE-A66A-4FAD-A683-E191120620D2}"/>
+    <dgm:cxn modelId="{0BD4F2D3-D3A7-4B51-BE1E-BE16E7F1644E}" srcId="{FE355BD7-C80B-4335-8C85-68476ADFEC36}" destId="{27BCB964-66BC-4A9E-9E39-BC0E4947FAA8}" srcOrd="0" destOrd="0" parTransId="{E60E729E-4311-4EF6-AFBE-83790DE0E3E6}" sibTransId="{911EFFB5-3D85-4F8E-9F33-FCA4C60D9B90}"/>
+    <dgm:cxn modelId="{D9C05547-4AA0-4B77-8F45-7115807155E6}" type="presOf" srcId="{27BCB964-66BC-4A9E-9E39-BC0E4947FAA8}" destId="{6433AEE2-930B-4A15-B0BF-D60A9EF9550B}" srcOrd="0" destOrd="0" presId="urn:microsoft.com/office/officeart/2005/8/layout/chevron1"/>
+    <dgm:cxn modelId="{DB237335-71C7-4065-A3E3-FF281DA51C86}" srcId="{FE355BD7-C80B-4335-8C85-68476ADFEC36}" destId="{608F2000-D9A7-4D9C-8338-DD2914ED02DB}" srcOrd="1" destOrd="0" parTransId="{3A3C1725-638E-4622-B21F-576B02548DD1}" sibTransId="{DEDF81C5-D277-4729-AD94-2C671A902116}"/>
+    <dgm:cxn modelId="{96EF7AE5-344D-47EB-83ED-D6BECF8DD585}" type="presOf" srcId="{302ACBAA-0F64-4F63-B291-1ED82F2C5830}" destId="{B880916F-E2DC-4150-9842-891125F3FF03}" srcOrd="0" destOrd="0" presId="urn:microsoft.com/office/officeart/2005/8/layout/chevron1"/>
+    <dgm:cxn modelId="{5D8A6FC1-13CE-4026-9A6F-9F9D0DBEF17C}" type="presOf" srcId="{9D5EEDAC-4F5B-4D6A-AD9B-1716DA2BAE6F}" destId="{21DBF1E4-0CEB-4A31-8E53-6BCD6B490505}" srcOrd="0" destOrd="0" presId="urn:microsoft.com/office/officeart/2005/8/layout/chevron1"/>
+    <dgm:cxn modelId="{752D8810-2BBC-4E5E-85E2-88AB8964D519}" srcId="{C011F647-10E6-4226-9046-F98C97A103DF}" destId="{DAD1EA33-2C15-4E3D-8DE2-DD823964CE84}" srcOrd="1" destOrd="0" parTransId="{F81763A7-FBB2-46FF-956A-F8CB3244CA9B}" sibTransId="{19300F5F-51BC-4522-817B-EA547BB8ABC9}"/>
+    <dgm:cxn modelId="{3DD0B450-20B8-41F4-8465-AD13825930BC}" type="presOf" srcId="{608F2000-D9A7-4D9C-8338-DD2914ED02DB}" destId="{6433AEE2-930B-4A15-B0BF-D60A9EF9550B}" srcOrd="0" destOrd="1" presId="urn:microsoft.com/office/officeart/2005/8/layout/chevron1"/>
+    <dgm:cxn modelId="{E0925812-3993-463A-B7F9-BBE4A26AAB12}" type="presParOf" srcId="{B880916F-E2DC-4150-9842-891125F3FF03}" destId="{062C537F-227F-4B22-8E2F-C881F7D81EED}" srcOrd="0" destOrd="0" presId="urn:microsoft.com/office/officeart/2005/8/layout/chevron1"/>
+    <dgm:cxn modelId="{F9A2B45A-1FF2-4E52-B608-645AFAA6AD51}" type="presParOf" srcId="{062C537F-227F-4B22-8E2F-C881F7D81EED}" destId="{870A8D27-AFB2-4E73-A715-52DB563E3107}" srcOrd="0" destOrd="0" presId="urn:microsoft.com/office/officeart/2005/8/layout/chevron1"/>
+    <dgm:cxn modelId="{F041B689-B75B-4FD0-B3E9-B1EA47F3EFEE}" type="presParOf" srcId="{062C537F-227F-4B22-8E2F-C881F7D81EED}" destId="{21DBF1E4-0CEB-4A31-8E53-6BCD6B490505}" srcOrd="1" destOrd="0" presId="urn:microsoft.com/office/officeart/2005/8/layout/chevron1"/>
+    <dgm:cxn modelId="{3FB7439F-6172-464F-AAB0-8422DE4C3A0B}" type="presParOf" srcId="{B880916F-E2DC-4150-9842-891125F3FF03}" destId="{93686B1E-3E52-4F1C-B82C-A1FE4E027B7A}" srcOrd="1" destOrd="0" presId="urn:microsoft.com/office/officeart/2005/8/layout/chevron1"/>
+    <dgm:cxn modelId="{26EB7356-6ED9-4DA6-B14F-E9DFAA7AEF30}" type="presParOf" srcId="{B880916F-E2DC-4150-9842-891125F3FF03}" destId="{7CC52F92-9817-496D-BEB6-C0ACE6679B4F}" srcOrd="2" destOrd="0" presId="urn:microsoft.com/office/officeart/2005/8/layout/chevron1"/>
+    <dgm:cxn modelId="{241D35EB-9EED-4257-989D-25A2D2619104}" type="presParOf" srcId="{7CC52F92-9817-496D-BEB6-C0ACE6679B4F}" destId="{54029501-FFE1-4B93-BCD2-4347365E8B9D}" srcOrd="0" destOrd="0" presId="urn:microsoft.com/office/officeart/2005/8/layout/chevron1"/>
+    <dgm:cxn modelId="{085D0936-151B-443F-A050-0B4C29DACAEE}" type="presParOf" srcId="{7CC52F92-9817-496D-BEB6-C0ACE6679B4F}" destId="{4EEB84C0-F03B-4C10-B53C-30BB2923AA04}" srcOrd="1" destOrd="0" presId="urn:microsoft.com/office/officeart/2005/8/layout/chevron1"/>
+    <dgm:cxn modelId="{99C57CAA-35D2-48DC-8B4B-24E4A788C299}" type="presParOf" srcId="{B880916F-E2DC-4150-9842-891125F3FF03}" destId="{84E9F0A6-C16F-4A4E-A450-2BDCA66CCA5F}" srcOrd="3" destOrd="0" presId="urn:microsoft.com/office/officeart/2005/8/layout/chevron1"/>
+    <dgm:cxn modelId="{04D4D197-212F-435C-8180-0FC3D251C2BA}" type="presParOf" srcId="{B880916F-E2DC-4150-9842-891125F3FF03}" destId="{6CC91B17-F1D2-430B-AC5B-6FCB03BDC5A6}" srcOrd="4" destOrd="0" presId="urn:microsoft.com/office/officeart/2005/8/layout/chevron1"/>
+    <dgm:cxn modelId="{77956290-073E-46F8-B691-EEF4DCF911F3}" type="presParOf" srcId="{6CC91B17-F1D2-430B-AC5B-6FCB03BDC5A6}" destId="{6352F0C4-0A88-408F-8E91-AA4A5D816729}" srcOrd="0" destOrd="0" presId="urn:microsoft.com/office/officeart/2005/8/layout/chevron1"/>
+    <dgm:cxn modelId="{DE87C19A-FC84-4BE5-BB84-FD529E2F9A81}" type="presParOf" srcId="{6CC91B17-F1D2-430B-AC5B-6FCB03BDC5A6}" destId="{6433AEE2-930B-4A15-B0BF-D60A9EF9550B}" srcOrd="1" destOrd="0" presId="urn:microsoft.com/office/officeart/2005/8/layout/chevron1"/>
+  </dgm:cxnLst>
+  <dgm:bg/>
+  <dgm:whole/>
+  <dgm:extLst>
+    <a:ext uri="http://schemas.microsoft.com/office/drawing/2008/diagram">
+      <dsp:dataModelExt xmlns:dsp="http://schemas.microsoft.com/office/drawing/2008/diagram" relId="rId6" minVer="http://schemas.openxmlformats.org/drawingml/2006/diagram"/>
+    </a:ext>
+  </dgm:extLst>
+</dgm:dataModel>
+</file>
+
+<file path=ppt/diagrams/drawing1.xml><?xml version="1.0" encoding="utf-8"?>
+<dsp:drawing xmlns:dgm="http://schemas.openxmlformats.org/drawingml/2006/diagram" xmlns:dsp="http://schemas.microsoft.com/office/drawing/2008/diagram" xmlns:a="http://schemas.openxmlformats.org/drawingml/2006/main">
+  <dsp:spTree>
+    <dsp:nvGrpSpPr>
+      <dsp:cNvPr id="0" name=""/>
+      <dsp:cNvGrpSpPr/>
+    </dsp:nvGrpSpPr>
+    <dsp:grpSpPr/>
+    <dsp:sp modelId="{870A8D27-AFB2-4E73-A715-52DB563E3107}">
+      <dsp:nvSpPr>
+        <dsp:cNvPr id="0" name=""/>
+        <dsp:cNvSpPr/>
+      </dsp:nvSpPr>
+      <dsp:spPr>
+        <a:xfrm>
+          <a:off x="7640" y="337057"/>
+          <a:ext cx="4202906" cy="1681162"/>
+        </a:xfrm>
+        <a:prstGeom prst="chevron">
+          <a:avLst/>
+        </a:prstGeom>
+        <a:solidFill>
+          <a:schemeClr val="accent5">
+            <a:hueOff val="0"/>
+            <a:satOff val="0"/>
+            <a:lumOff val="0"/>
+            <a:alphaOff val="0"/>
+          </a:schemeClr>
+        </a:solidFill>
+        <a:ln w="12700" cap="flat" cmpd="sng" algn="ctr">
+          <a:solidFill>
+            <a:schemeClr val="lt1">
+              <a:hueOff val="0"/>
+              <a:satOff val="0"/>
+              <a:lumOff val="0"/>
+              <a:alphaOff val="0"/>
+            </a:schemeClr>
+          </a:solidFill>
+          <a:prstDash val="solid"/>
+          <a:miter lim="800000"/>
+        </a:ln>
+        <a:effectLst/>
+      </dsp:spPr>
+      <dsp:style>
+        <a:lnRef idx="2">
+          <a:scrgbClr r="0" g="0" b="0"/>
+        </a:lnRef>
+        <a:fillRef idx="1">
+          <a:scrgbClr r="0" g="0" b="0"/>
+        </a:fillRef>
+        <a:effectRef idx="0">
+          <a:scrgbClr r="0" g="0" b="0"/>
+        </a:effectRef>
+        <a:fontRef idx="minor">
+          <a:schemeClr val="lt1"/>
+        </a:fontRef>
+      </dsp:style>
+      <dsp:txBody>
+        <a:bodyPr spcFirstLastPara="0" vert="horz" wrap="square" lIns="148019" tIns="49340" rIns="49340" bIns="49340" numCol="1" spcCol="1270" anchor="ctr" anchorCtr="0">
+          <a:noAutofit/>
+        </a:bodyPr>
+        <a:lstStyle/>
+        <a:p>
+          <a:pPr marL="0" lvl="0" indent="0" algn="ctr" defTabSz="1644650">
+            <a:lnSpc>
+              <a:spcPct val="90000"/>
+            </a:lnSpc>
+            <a:spcBef>
+              <a:spcPct val="0"/>
+            </a:spcBef>
+            <a:spcAft>
+              <a:spcPct val="35000"/>
+            </a:spcAft>
+            <a:buNone/>
+          </a:pPr>
+          <a:r>
+            <a:rPr lang="en-US" sz="3700" kern="1200" dirty="0"/>
+            <a:t>Compiler</a:t>
+          </a:r>
+        </a:p>
+      </dsp:txBody>
+      <dsp:txXfrm>
+        <a:off x="848221" y="337057"/>
+        <a:ext cx="2521744" cy="1681162"/>
+      </dsp:txXfrm>
+    </dsp:sp>
+    <dsp:sp modelId="{21DBF1E4-0CEB-4A31-8E53-6BCD6B490505}">
+      <dsp:nvSpPr>
+        <dsp:cNvPr id="0" name=""/>
+        <dsp:cNvSpPr/>
+      </dsp:nvSpPr>
+      <dsp:spPr>
+        <a:xfrm>
+          <a:off x="7640" y="2228364"/>
+          <a:ext cx="3362325" cy="4292578"/>
+        </a:xfrm>
+        <a:prstGeom prst="rect">
+          <a:avLst/>
+        </a:prstGeom>
+        <a:noFill/>
+        <a:ln>
+          <a:noFill/>
+        </a:ln>
+        <a:effectLst/>
+      </dsp:spPr>
+      <dsp:style>
+        <a:lnRef idx="0">
+          <a:scrgbClr r="0" g="0" b="0"/>
+        </a:lnRef>
+        <a:fillRef idx="0">
+          <a:scrgbClr r="0" g="0" b="0"/>
+        </a:fillRef>
+        <a:effectRef idx="0">
+          <a:scrgbClr r="0" g="0" b="0"/>
+        </a:effectRef>
+        <a:fontRef idx="minor"/>
+      </dsp:style>
+      <dsp:txBody>
+        <a:bodyPr spcFirstLastPara="0" vert="horz" wrap="square" lIns="0" tIns="0" rIns="0" bIns="0" numCol="1" spcCol="1270" anchor="t" anchorCtr="0">
+          <a:noAutofit/>
+        </a:bodyPr>
+        <a:lstStyle/>
+        <a:p>
+          <a:pPr marL="285750" lvl="1" indent="-285750" algn="l" defTabSz="1644650">
+            <a:lnSpc>
+              <a:spcPct val="90000"/>
+            </a:lnSpc>
+            <a:spcBef>
+              <a:spcPct val="0"/>
+            </a:spcBef>
+            <a:spcAft>
+              <a:spcPct val="15000"/>
+            </a:spcAft>
+            <a:buChar char="•"/>
+          </a:pPr>
+          <a:r>
+            <a:rPr lang="en-US" sz="3700" kern="1200" dirty="0"/>
+            <a:t>Verify Fields and Structure</a:t>
+          </a:r>
+          <a:endParaRPr lang="en-US" sz="3700" kern="1200" dirty="0"/>
+        </a:p>
+        <a:p>
+          <a:pPr marL="285750" lvl="1" indent="-285750" algn="l" defTabSz="1644650">
+            <a:lnSpc>
+              <a:spcPct val="90000"/>
+            </a:lnSpc>
+            <a:spcBef>
+              <a:spcPct val="0"/>
+            </a:spcBef>
+            <a:spcAft>
+              <a:spcPct val="15000"/>
+            </a:spcAft>
+            <a:buChar char="•"/>
+          </a:pPr>
+          <a:r>
+            <a:rPr lang="en-US" sz="3700" kern="1200" dirty="0"/>
+            <a:t>Expand Specification into Model</a:t>
+          </a:r>
+        </a:p>
+      </dsp:txBody>
+      <dsp:txXfrm>
+        <a:off x="7640" y="2228364"/>
+        <a:ext cx="3362325" cy="4292578"/>
+      </dsp:txXfrm>
+    </dsp:sp>
+    <dsp:sp modelId="{54029501-FFE1-4B93-BCD2-4347365E8B9D}">
+      <dsp:nvSpPr>
+        <dsp:cNvPr id="0" name=""/>
+        <dsp:cNvSpPr/>
+      </dsp:nvSpPr>
+      <dsp:spPr>
+        <a:xfrm>
+          <a:off x="3994546" y="337057"/>
+          <a:ext cx="4202906" cy="1681162"/>
+        </a:xfrm>
+        <a:prstGeom prst="chevron">
+          <a:avLst/>
+        </a:prstGeom>
+        <a:solidFill>
+          <a:schemeClr val="accent5">
+            <a:hueOff val="-3676672"/>
+            <a:satOff val="-5114"/>
+            <a:lumOff val="-1961"/>
+            <a:alphaOff val="0"/>
+          </a:schemeClr>
+        </a:solidFill>
+        <a:ln w="12700" cap="flat" cmpd="sng" algn="ctr">
+          <a:solidFill>
+            <a:schemeClr val="lt1">
+              <a:hueOff val="0"/>
+              <a:satOff val="0"/>
+              <a:lumOff val="0"/>
+              <a:alphaOff val="0"/>
+            </a:schemeClr>
+          </a:solidFill>
+          <a:prstDash val="solid"/>
+          <a:miter lim="800000"/>
+        </a:ln>
+        <a:effectLst/>
+      </dsp:spPr>
+      <dsp:style>
+        <a:lnRef idx="2">
+          <a:scrgbClr r="0" g="0" b="0"/>
+        </a:lnRef>
+        <a:fillRef idx="1">
+          <a:scrgbClr r="0" g="0" b="0"/>
+        </a:fillRef>
+        <a:effectRef idx="0">
+          <a:scrgbClr r="0" g="0" b="0"/>
+        </a:effectRef>
+        <a:fontRef idx="minor">
+          <a:schemeClr val="lt1"/>
+        </a:fontRef>
+      </dsp:style>
+      <dsp:txBody>
+        <a:bodyPr spcFirstLastPara="0" vert="horz" wrap="square" lIns="148019" tIns="49340" rIns="49340" bIns="49340" numCol="1" spcCol="1270" anchor="ctr" anchorCtr="0">
+          <a:noAutofit/>
+        </a:bodyPr>
+        <a:lstStyle/>
+        <a:p>
+          <a:pPr marL="0" lvl="0" indent="0" algn="ctr" defTabSz="1644650">
+            <a:lnSpc>
+              <a:spcPct val="90000"/>
+            </a:lnSpc>
+            <a:spcBef>
+              <a:spcPct val="0"/>
+            </a:spcBef>
+            <a:spcAft>
+              <a:spcPct val="35000"/>
+            </a:spcAft>
+            <a:buNone/>
+          </a:pPr>
+          <a:r>
+            <a:rPr lang="en-US" sz="3700" kern="1200" dirty="0"/>
+            <a:t>Language-Specific Builder</a:t>
+          </a:r>
+        </a:p>
+      </dsp:txBody>
+      <dsp:txXfrm>
+        <a:off x="4835127" y="337057"/>
+        <a:ext cx="2521744" cy="1681162"/>
+      </dsp:txXfrm>
+    </dsp:sp>
+    <dsp:sp modelId="{4EEB84C0-F03B-4C10-B53C-30BB2923AA04}">
+      <dsp:nvSpPr>
+        <dsp:cNvPr id="0" name=""/>
+        <dsp:cNvSpPr/>
+      </dsp:nvSpPr>
+      <dsp:spPr>
+        <a:xfrm>
+          <a:off x="3994546" y="2228364"/>
+          <a:ext cx="3362325" cy="4292578"/>
+        </a:xfrm>
+        <a:prstGeom prst="rect">
+          <a:avLst/>
+        </a:prstGeom>
+        <a:noFill/>
+        <a:ln>
+          <a:noFill/>
+        </a:ln>
+        <a:effectLst/>
+      </dsp:spPr>
+      <dsp:style>
+        <a:lnRef idx="0">
+          <a:scrgbClr r="0" g="0" b="0"/>
+        </a:lnRef>
+        <a:fillRef idx="0">
+          <a:scrgbClr r="0" g="0" b="0"/>
+        </a:fillRef>
+        <a:effectRef idx="0">
+          <a:scrgbClr r="0" g="0" b="0"/>
+        </a:effectRef>
+        <a:fontRef idx="minor"/>
+      </dsp:style>
+      <dsp:txBody>
+        <a:bodyPr spcFirstLastPara="0" vert="horz" wrap="square" lIns="0" tIns="0" rIns="0" bIns="0" numCol="1" spcCol="1270" anchor="t" anchorCtr="0">
+          <a:noAutofit/>
+        </a:bodyPr>
+        <a:lstStyle/>
+        <a:p>
+          <a:pPr marL="285750" lvl="1" indent="-285750" algn="l" defTabSz="1644650">
+            <a:lnSpc>
+              <a:spcPct val="90000"/>
+            </a:lnSpc>
+            <a:spcBef>
+              <a:spcPct val="0"/>
+            </a:spcBef>
+            <a:spcAft>
+              <a:spcPct val="15000"/>
+            </a:spcAft>
+            <a:buChar char="•"/>
+          </a:pPr>
+          <a:r>
+            <a:rPr lang="en-US" sz="3700" kern="1200" dirty="0"/>
+            <a:t>Expand Templates to Generate Source Files and Documentation</a:t>
+          </a:r>
+        </a:p>
+        <a:p>
+          <a:pPr marL="285750" lvl="1" indent="-285750" algn="l" defTabSz="1644650">
+            <a:lnSpc>
+              <a:spcPct val="90000"/>
+            </a:lnSpc>
+            <a:spcBef>
+              <a:spcPct val="0"/>
+            </a:spcBef>
+            <a:spcAft>
+              <a:spcPct val="15000"/>
+            </a:spcAft>
+            <a:buChar char="•"/>
+          </a:pPr>
+          <a:r>
+            <a:rPr lang="en-US" sz="3700" kern="1200" dirty="0"/>
+            <a:t>Prepare datasets</a:t>
+          </a:r>
+        </a:p>
+      </dsp:txBody>
+      <dsp:txXfrm>
+        <a:off x="3994546" y="2228364"/>
+        <a:ext cx="3362325" cy="4292578"/>
+      </dsp:txXfrm>
+    </dsp:sp>
+    <dsp:sp modelId="{6352F0C4-0A88-408F-8E91-AA4A5D816729}">
+      <dsp:nvSpPr>
+        <dsp:cNvPr id="0" name=""/>
+        <dsp:cNvSpPr/>
+      </dsp:nvSpPr>
+      <dsp:spPr>
+        <a:xfrm>
+          <a:off x="7981453" y="337057"/>
+          <a:ext cx="4202906" cy="1681162"/>
+        </a:xfrm>
+        <a:prstGeom prst="chevron">
+          <a:avLst/>
+        </a:prstGeom>
+        <a:solidFill>
+          <a:schemeClr val="accent5">
+            <a:hueOff val="-7353344"/>
+            <a:satOff val="-10228"/>
+            <a:lumOff val="-3922"/>
+            <a:alphaOff val="0"/>
+          </a:schemeClr>
+        </a:solidFill>
+        <a:ln w="12700" cap="flat" cmpd="sng" algn="ctr">
+          <a:solidFill>
+            <a:schemeClr val="lt1">
+              <a:hueOff val="0"/>
+              <a:satOff val="0"/>
+              <a:lumOff val="0"/>
+              <a:alphaOff val="0"/>
+            </a:schemeClr>
+          </a:solidFill>
+          <a:prstDash val="solid"/>
+          <a:miter lim="800000"/>
+        </a:ln>
+        <a:effectLst/>
+      </dsp:spPr>
+      <dsp:style>
+        <a:lnRef idx="2">
+          <a:scrgbClr r="0" g="0" b="0"/>
+        </a:lnRef>
+        <a:fillRef idx="1">
+          <a:scrgbClr r="0" g="0" b="0"/>
+        </a:fillRef>
+        <a:effectRef idx="0">
+          <a:scrgbClr r="0" g="0" b="0"/>
+        </a:effectRef>
+        <a:fontRef idx="minor">
+          <a:schemeClr val="lt1"/>
+        </a:fontRef>
+      </dsp:style>
+      <dsp:txBody>
+        <a:bodyPr spcFirstLastPara="0" vert="horz" wrap="square" lIns="148019" tIns="49340" rIns="49340" bIns="49340" numCol="1" spcCol="1270" anchor="ctr" anchorCtr="0">
+          <a:noAutofit/>
+        </a:bodyPr>
+        <a:lstStyle/>
+        <a:p>
+          <a:pPr marL="0" lvl="0" indent="0" algn="ctr" defTabSz="1644650">
+            <a:lnSpc>
+              <a:spcPct val="90000"/>
+            </a:lnSpc>
+            <a:spcBef>
+              <a:spcPct val="0"/>
+            </a:spcBef>
+            <a:spcAft>
+              <a:spcPct val="35000"/>
+            </a:spcAft>
+            <a:buNone/>
+          </a:pPr>
+          <a:r>
+            <a:rPr lang="en-US" sz="3700" kern="1200" dirty="0"/>
+            <a:t>Finalize</a:t>
+          </a:r>
+        </a:p>
+      </dsp:txBody>
+      <dsp:txXfrm>
+        <a:off x="8822034" y="337057"/>
+        <a:ext cx="2521744" cy="1681162"/>
+      </dsp:txXfrm>
+    </dsp:sp>
+    <dsp:sp modelId="{6433AEE2-930B-4A15-B0BF-D60A9EF9550B}">
+      <dsp:nvSpPr>
+        <dsp:cNvPr id="0" name=""/>
+        <dsp:cNvSpPr/>
+      </dsp:nvSpPr>
+      <dsp:spPr>
+        <a:xfrm>
+          <a:off x="7981453" y="2228364"/>
+          <a:ext cx="3362325" cy="4292578"/>
+        </a:xfrm>
+        <a:prstGeom prst="rect">
+          <a:avLst/>
+        </a:prstGeom>
+        <a:noFill/>
+        <a:ln>
+          <a:noFill/>
+        </a:ln>
+        <a:effectLst/>
+      </dsp:spPr>
+      <dsp:style>
+        <a:lnRef idx="0">
+          <a:scrgbClr r="0" g="0" b="0"/>
+        </a:lnRef>
+        <a:fillRef idx="0">
+          <a:scrgbClr r="0" g="0" b="0"/>
+        </a:fillRef>
+        <a:effectRef idx="0">
+          <a:scrgbClr r="0" g="0" b="0"/>
+        </a:effectRef>
+        <a:fontRef idx="minor"/>
+      </dsp:style>
+      <dsp:txBody>
+        <a:bodyPr spcFirstLastPara="0" vert="horz" wrap="square" lIns="0" tIns="0" rIns="0" bIns="0" numCol="1" spcCol="1270" anchor="t" anchorCtr="0">
+          <a:noAutofit/>
+        </a:bodyPr>
+        <a:lstStyle/>
+        <a:p>
+          <a:pPr marL="285750" lvl="1" indent="-285750" algn="l" defTabSz="1644650">
+            <a:lnSpc>
+              <a:spcPct val="90000"/>
+            </a:lnSpc>
+            <a:spcBef>
+              <a:spcPct val="0"/>
+            </a:spcBef>
+            <a:spcAft>
+              <a:spcPct val="15000"/>
+            </a:spcAft>
+            <a:buChar char="•"/>
+          </a:pPr>
+          <a:r>
+            <a:rPr lang="en-US" sz="3700" kern="1200" dirty="0"/>
+            <a:t>Transport and Organize Files for Deployment</a:t>
+          </a:r>
+          <a:endParaRPr lang="en-US" sz="3700" kern="1200" dirty="0"/>
+        </a:p>
+        <a:p>
+          <a:pPr marL="285750" lvl="1" indent="-285750" algn="l" defTabSz="1644650">
+            <a:lnSpc>
+              <a:spcPct val="90000"/>
+            </a:lnSpc>
+            <a:spcBef>
+              <a:spcPct val="0"/>
+            </a:spcBef>
+            <a:spcAft>
+              <a:spcPct val="15000"/>
+            </a:spcAft>
+            <a:buChar char="•"/>
+          </a:pPr>
+          <a:r>
+            <a:rPr lang="en-US" sz="3700" kern="1200" dirty="0"/>
+            <a:t>Update Internal and External Indexes</a:t>
+          </a:r>
+        </a:p>
+      </dsp:txBody>
+      <dsp:txXfrm>
+        <a:off x="7981453" y="2228364"/>
+        <a:ext cx="3362325" cy="4292578"/>
+      </dsp:txXfrm>
+    </dsp:sp>
+  </dsp:spTree>
+</dsp:drawing>
+</file>
+
+<file path=ppt/diagrams/layout1.xml><?xml version="1.0" encoding="utf-8"?>
+<dgm:layoutDef xmlns:dgm="http://schemas.openxmlformats.org/drawingml/2006/diagram" xmlns:a="http://schemas.openxmlformats.org/drawingml/2006/main" uniqueId="urn:microsoft.com/office/officeart/2005/8/layout/chevron1">
+  <dgm:title val=""/>
+  <dgm:desc val=""/>
+  <dgm:catLst>
+    <dgm:cat type="process" pri="9000"/>
+  </dgm:catLst>
+  <dgm:sampData useDef="1">
+    <dgm:dataModel>
+      <dgm:ptLst/>
+      <dgm:bg/>
+      <dgm:whole/>
+    </dgm:dataModel>
+  </dgm:sampData>
+  <dgm:styleData>
+    <dgm:dataModel>
+      <dgm:ptLst>
+        <dgm:pt modelId="0" type="doc"/>
+        <dgm:pt modelId="1"/>
+        <dgm:pt modelId="2"/>
+      </dgm:ptLst>
+      <dgm:cxnLst>
+        <dgm:cxn modelId="3" srcId="0" destId="1" srcOrd="0" destOrd="0"/>
+        <dgm:cxn modelId="4" srcId="0" destId="2" srcOrd="1" destOrd="0"/>
+      </dgm:cxnLst>
+      <dgm:bg/>
+      <dgm:whole/>
+    </dgm:dataModel>
+  </dgm:styleData>
+  <dgm:clrData>
+    <dgm:dataModel>
+      <dgm:ptLst>
+        <dgm:pt modelId="0" type="doc"/>
+        <dgm:pt modelId="1"/>
+        <dgm:pt modelId="2"/>
+        <dgm:pt modelId="3"/>
+        <dgm:pt modelId="4"/>
+      </dgm:ptLst>
+      <dgm:cxnLst>
+        <dgm:cxn modelId="5" srcId="0" destId="1" srcOrd="0" destOrd="0"/>
+        <dgm:cxn modelId="6" srcId="0" destId="2" srcOrd="1" destOrd="0"/>
+        <dgm:cxn modelId="7" srcId="0" destId="3" srcOrd="2" destOrd="0"/>
+        <dgm:cxn modelId="8" srcId="0" destId="4" srcOrd="3" destOrd="0"/>
+      </dgm:cxnLst>
+      <dgm:bg/>
+      <dgm:whole/>
+    </dgm:dataModel>
+  </dgm:clrData>
+  <dgm:layoutNode name="Name0">
+    <dgm:varLst>
+      <dgm:dir/>
+      <dgm:animLvl val="lvl"/>
+      <dgm:resizeHandles val="exact"/>
+    </dgm:varLst>
+    <dgm:choose name="Name1">
+      <dgm:if name="Name2" func="var" arg="dir" op="equ" val="norm">
+        <dgm:alg type="lin"/>
+      </dgm:if>
+      <dgm:else name="Name3">
+        <dgm:alg type="lin">
+          <dgm:param type="linDir" val="fromR"/>
+        </dgm:alg>
+      </dgm:else>
+    </dgm:choose>
+    <dgm:shape xmlns:r="http://schemas.openxmlformats.org/officeDocument/2006/relationships" r:blip="">
+      <dgm:adjLst/>
+    </dgm:shape>
+    <dgm:presOf/>
+    <dgm:choose name="Name4">
+      <dgm:if name="Name5" axis="des" func="maxDepth" op="gte" val="2">
+        <dgm:constrLst>
+          <dgm:constr type="h" for="ch" forName="composite" refType="h"/>
+          <dgm:constr type="w" for="ch" forName="composite" refType="w"/>
+          <dgm:constr type="w" for="des" forName="parTx"/>
+          <dgm:constr type="h" for="des" forName="parTx" op="equ"/>
+          <dgm:constr type="w" for="des" forName="desTx"/>
+          <dgm:constr type="h" for="des" forName="desTx" op="equ"/>
+          <dgm:constr type="primFontSz" for="des" forName="parTx" val="65"/>
+          <dgm:constr type="secFontSz" for="des" forName="desTx" refType="primFontSz" refFor="des" refForName="parTx" op="equ"/>
+          <dgm:constr type="h" for="des" forName="parTx" refType="primFontSz" refFor="des" refForName="parTx" fact="1.5"/>
+          <dgm:constr type="h" for="des" forName="desTx" refType="primFontSz" refFor="des" refForName="parTx" fact="0.5"/>
+          <dgm:constr type="w" for="ch" forName="space" op="equ" val="-6"/>
+        </dgm:constrLst>
+        <dgm:ruleLst>
+          <dgm:rule type="w" for="ch" forName="composite" val="0" fact="NaN" max="NaN"/>
+          <dgm:rule type="primFontSz" for="des" forName="parTx" val="5" fact="NaN" max="NaN"/>
+        </dgm:ruleLst>
+        <dgm:forEach name="Name6" axis="ch" ptType="node">
+          <dgm:layoutNode name="composite">
+            <dgm:alg type="composite"/>
+            <dgm:shape xmlns:r="http://schemas.openxmlformats.org/officeDocument/2006/relationships" r:blip="">
+              <dgm:adjLst/>
+            </dgm:shape>
+            <dgm:presOf/>
+            <dgm:choose name="Name7">
+              <dgm:if name="Name8" func="var" arg="dir" op="equ" val="norm">
+                <dgm:constrLst>
+                  <dgm:constr type="l" for="ch" forName="parTx"/>
+                  <dgm:constr type="w" for="ch" forName="parTx" refType="w"/>
+                  <dgm:constr type="t" for="ch" forName="parTx"/>
+                  <dgm:constr type="l" for="ch" forName="desTx"/>
+                  <dgm:constr type="w" for="ch" forName="desTx" refType="w" refFor="ch" refForName="parTx" fact="0.8"/>
+                  <dgm:constr type="t" for="ch" forName="desTx" refType="h" refFor="ch" refForName="parTx" fact="1.125"/>
+                </dgm:constrLst>
+              </dgm:if>
+              <dgm:else name="Name9">
+                <dgm:constrLst>
+                  <dgm:constr type="l" for="ch" forName="parTx"/>
+                  <dgm:constr type="w" for="ch" forName="parTx" refType="w"/>
+                  <dgm:constr type="t" for="ch" forName="parTx"/>
+                  <dgm:constr type="l" for="ch" forName="desTx" refType="w" fact="0.2"/>
+                  <dgm:constr type="w" for="ch" forName="desTx" refType="w" refFor="ch" refForName="parTx" fact="0.8"/>
+                  <dgm:constr type="t" for="ch" forName="desTx" refType="h" refFor="ch" refForName="parTx" fact="1.125"/>
+                </dgm:constrLst>
+              </dgm:else>
+            </dgm:choose>
+            <dgm:ruleLst>
+              <dgm:rule type="h" val="INF" fact="NaN" max="NaN"/>
+            </dgm:ruleLst>
+            <dgm:layoutNode name="parTx">
+              <dgm:varLst>
+                <dgm:chMax val="0"/>
+                <dgm:chPref val="0"/>
+                <dgm:bulletEnabled val="1"/>
+              </dgm:varLst>
+              <dgm:alg type="tx"/>
+              <dgm:choose name="Name10">
+                <dgm:if name="Name11" func="var" arg="dir" op="equ" val="norm">
+                  <dgm:shape xmlns:r="http://schemas.openxmlformats.org/officeDocument/2006/relationships" type="chevron" r:blip="">
+                    <dgm:adjLst/>
+                  </dgm:shape>
+                </dgm:if>
+                <dgm:else name="Name12">
+                  <dgm:shape xmlns:r="http://schemas.openxmlformats.org/officeDocument/2006/relationships" rot="180" type="chevron" r:blip="">
+                    <dgm:adjLst/>
+                  </dgm:shape>
+                </dgm:else>
+              </dgm:choose>
+              <dgm:presOf axis="self" ptType="node"/>
+              <dgm:choose name="Name13">
+                <dgm:if name="Name14" func="var" arg="dir" op="equ" val="norm">
+                  <dgm:constrLst>
+                    <dgm:constr type="h" refType="w" op="lte" fact="0.4"/>
+                    <dgm:constr type="h"/>
+                    <dgm:constr type="tMarg" refType="primFontSz" fact="0.105"/>
+                    <dgm:constr type="bMarg" refType="primFontSz" fact="0.105"/>
+                    <dgm:constr type="lMarg" refType="primFontSz" fact="0.315"/>
+                    <dgm:constr type="rMarg" refType="primFontSz" fact="0.105"/>
+                  </dgm:constrLst>
+                </dgm:if>
+                <dgm:else name="Name15">
+                  <dgm:constrLst>
+                    <dgm:constr type="h" refType="w" op="lte" fact="0.4"/>
+                    <dgm:constr type="h"/>
+                    <dgm:constr type="tMarg" refType="primFontSz" fact="0.105"/>
+                    <dgm:constr type="bMarg" refType="primFontSz" fact="0.105"/>
+                    <dgm:constr type="lMarg" refType="primFontSz" fact="0.105"/>
+                    <dgm:constr type="rMarg" refType="primFontSz" fact="0.315"/>
+                  </dgm:constrLst>
+                </dgm:else>
+              </dgm:choose>
+              <dgm:ruleLst>
+                <dgm:rule type="h" val="INF" fact="NaN" max="NaN"/>
+              </dgm:ruleLst>
+            </dgm:layoutNode>
+            <dgm:layoutNode name="desTx" styleLbl="revTx">
+              <dgm:varLst>
+                <dgm:bulletEnabled val="1"/>
+              </dgm:varLst>
+              <dgm:alg type="tx">
+                <dgm:param type="stBulletLvl" val="1"/>
+              </dgm:alg>
+              <dgm:choose name="Name16">
+                <dgm:if name="Name17" axis="ch" ptType="node" func="cnt" op="gte" val="1">
+                  <dgm:shape xmlns:r="http://schemas.openxmlformats.org/officeDocument/2006/relationships" type="rect" r:blip="">
+                    <dgm:adjLst/>
+                  </dgm:shape>
+                </dgm:if>
+                <dgm:else name="Name18">
+                  <dgm:shape xmlns:r="http://schemas.openxmlformats.org/officeDocument/2006/relationships" type="rect" r:blip="" hideGeom="1">
+                    <dgm:adjLst/>
+                  </dgm:shape>
+                </dgm:else>
+              </dgm:choose>
+              <dgm:presOf axis="des" ptType="node"/>
+              <dgm:constrLst>
+                <dgm:constr type="secFontSz" val="65"/>
+                <dgm:constr type="primFontSz" refType="secFontSz"/>
+                <dgm:constr type="h"/>
+                <dgm:constr type="tMarg"/>
+                <dgm:constr type="bMarg"/>
+                <dgm:constr type="rMarg"/>
+                <dgm:constr type="lMarg"/>
+              </dgm:constrLst>
+              <dgm:ruleLst>
+                <dgm:rule type="h" val="INF" fact="NaN" max="NaN"/>
+              </dgm:ruleLst>
+            </dgm:layoutNode>
+          </dgm:layoutNode>
+          <dgm:forEach name="Name19" axis="followSib" ptType="sibTrans" cnt="1">
+            <dgm:layoutNode name="space">
+              <dgm:alg type="sp"/>
+              <dgm:shape xmlns:r="http://schemas.openxmlformats.org/officeDocument/2006/relationships" r:blip="">
+                <dgm:adjLst/>
+              </dgm:shape>
+              <dgm:presOf/>
+              <dgm:constrLst/>
+              <dgm:ruleLst/>
+            </dgm:layoutNode>
+          </dgm:forEach>
+        </dgm:forEach>
+      </dgm:if>
+      <dgm:else name="Name20">
+        <dgm:constrLst>
+          <dgm:constr type="w" for="ch" forName="parTxOnly" refType="w"/>
+          <dgm:constr type="h" for="des" forName="parTxOnly" op="equ"/>
+          <dgm:constr type="primFontSz" for="des" forName="parTxOnly" op="equ" val="65"/>
+          <dgm:constr type="w" for="ch" forName="parTxOnlySpace" refType="w" refFor="ch" refForName="parTxOnly" fact="-0.1"/>
+        </dgm:constrLst>
+        <dgm:ruleLst/>
+        <dgm:forEach name="Name21" axis="ch" ptType="node">
+          <dgm:layoutNode name="parTxOnly">
+            <dgm:varLst>
+              <dgm:chMax val="0"/>
+              <dgm:chPref val="0"/>
+              <dgm:bulletEnabled val="1"/>
+            </dgm:varLst>
+            <dgm:alg type="tx"/>
+            <dgm:choose name="Name22">
+              <dgm:if name="Name23" func="var" arg="dir" op="equ" val="norm">
+                <dgm:shape xmlns:r="http://schemas.openxmlformats.org/officeDocument/2006/relationships" type="chevron" r:blip="">
+                  <dgm:adjLst/>
+                </dgm:shape>
+              </dgm:if>
+              <dgm:else name="Name24">
+                <dgm:shape xmlns:r="http://schemas.openxmlformats.org/officeDocument/2006/relationships" rot="180" type="chevron" r:blip="">
+                  <dgm:adjLst/>
+                </dgm:shape>
+              </dgm:else>
+            </dgm:choose>
+            <dgm:presOf axis="self" ptType="node"/>
+            <dgm:choose name="Name25">
+              <dgm:if name="Name26" func="var" arg="dir" op="equ" val="norm">
+                <dgm:constrLst>
+                  <dgm:constr type="h" refType="w" op="equ" fact="0.4"/>
+                  <dgm:constr type="tMarg" refType="primFontSz" fact="0.105"/>
+                  <dgm:constr type="bMarg" refType="primFontSz" fact="0.105"/>
+                  <dgm:constr type="lMarg" refType="primFontSz" fact="0.315"/>
+                  <dgm:constr type="rMarg" refType="primFontSz" fact="0.105"/>
+                </dgm:constrLst>
+              </dgm:if>
+              <dgm:else name="Name27">
+                <dgm:constrLst>
+                  <dgm:constr type="h" refType="w" op="equ" fact="0.4"/>
+                  <dgm:constr type="tMarg" refType="primFontSz" fact="0.105"/>
+                  <dgm:constr type="bMarg" refType="primFontSz" fact="0.105"/>
+                  <dgm:constr type="lMarg" refType="primFontSz" fact="0.105"/>
+                  <dgm:constr type="rMarg" refType="primFontSz" fact="0.315"/>
+                </dgm:constrLst>
+              </dgm:else>
+            </dgm:choose>
+            <dgm:ruleLst>
+              <dgm:rule type="primFontSz" val="5" fact="NaN" max="NaN"/>
+            </dgm:ruleLst>
+          </dgm:layoutNode>
+          <dgm:forEach name="Name28" axis="followSib" ptType="sibTrans" cnt="1">
+            <dgm:layoutNode name="parTxOnlySpace">
+              <dgm:alg type="sp"/>
+              <dgm:shape xmlns:r="http://schemas.openxmlformats.org/officeDocument/2006/relationships" r:blip="">
+                <dgm:adjLst/>
+              </dgm:shape>
+              <dgm:presOf/>
+              <dgm:constrLst/>
+              <dgm:ruleLst/>
+            </dgm:layoutNode>
+          </dgm:forEach>
+        </dgm:forEach>
+      </dgm:else>
+    </dgm:choose>
+  </dgm:layoutNode>
+</dgm:layoutDef>
+</file>
+
+<file path=ppt/diagrams/quickStyle1.xml><?xml version="1.0" encoding="utf-8"?>
+<dgm:styleDef xmlns:dgm="http://schemas.openxmlformats.org/drawingml/2006/diagram" xmlns:a="http://schemas.openxmlformats.org/drawingml/2006/main" uniqueId="urn:microsoft.com/office/officeart/2005/8/quickstyle/simple1">
+  <dgm:title val=""/>
+  <dgm:desc val=""/>
+  <dgm:catLst>
+    <dgm:cat type="simple" pri="10100"/>
+  </dgm:catLst>
+  <dgm:scene3d>
+    <a:camera prst="orthographicFront"/>
+    <a:lightRig rig="threePt" dir="t"/>
+  </dgm:scene3d>
+  <dgm:styleLbl name="node0">
+    <dgm:scene3d>
+      <a:camera prst="orthographicFront"/>
+      <a:lightRig rig="threePt" dir="t"/>
+    </dgm:scene3d>
+    <dgm:sp3d/>
+    <dgm:txPr/>
+    <dgm:style>
+      <a:lnRef idx="2">
+        <a:scrgbClr r="0" g="0" b="0"/>
+      </a:lnRef>
+      <a:fillRef idx="1">
+        <a:scrgbClr r="0" g="0" b="0"/>
+      </a:fillRef>
+      <a:effectRef idx="0">
+        <a:scrgbClr r="0" g="0" b="0"/>
+      </a:effectRef>
+      <a:fontRef idx="minor">
+        <a:schemeClr val="lt1"/>
+      </a:fontRef>
+    </dgm:style>
+  </dgm:styleLbl>
+  <dgm:styleLbl name="lnNode1">
+    <dgm:scene3d>
+      <a:camera prst="orthographicFront"/>
+      <a:lightRig rig="threePt" dir="t"/>
+    </dgm:scene3d>
+    <dgm:sp3d/>
+    <dgm:txPr/>
+    <dgm:style>
+      <a:lnRef idx="2">
+        <a:scrgbClr r="0" g="0" b="0"/>
+      </a:lnRef>
+      <a:fillRef idx="1">
+        <a:scrgbClr r="0" g="0" b="0"/>
+      </a:fillRef>
+      <a:effectRef idx="0">
+        <a:scrgbClr r="0" g="0" b="0"/>
+      </a:effectRef>
+      <a:fontRef idx="minor">
+        <a:schemeClr val="lt1"/>
+      </a:fontRef>
+    </dgm:style>
+  </dgm:styleLbl>
+  <dgm:styleLbl name="vennNode1">
+    <dgm:scene3d>
+      <a:camera prst="orthographicFront"/>
+      <a:lightRig rig="threePt" dir="t"/>
+    </dgm:scene3d>
+    <dgm:sp3d/>
+    <dgm:txPr/>
+    <dgm:style>
+      <a:lnRef idx="2">
+        <a:scrgbClr r="0" g="0" b="0"/>
+      </a:lnRef>
+      <a:fillRef idx="1">
+        <a:scrgbClr r="0" g="0" b="0"/>
+      </a:fillRef>
+      <a:effectRef idx="0">
+        <a:scrgbClr r="0" g="0" b="0"/>
+      </a:effectRef>
+      <a:fontRef idx="minor">
+        <a:schemeClr val="tx1"/>
+      </a:fontRef>
+    </dgm:style>
+  </dgm:styleLbl>
+  <dgm:styleLbl name="alignNode1">
+    <dgm:scene3d>
+      <a:camera prst="orthographicFront"/>
+      <a:lightRig rig="threePt" dir="t"/>
+    </dgm:scene3d>
+    <dgm:sp3d/>
+    <dgm:txPr/>
+    <dgm:style>
+      <a:lnRef idx="2">
+        <a:scrgbClr r="0" g="0" b="0"/>
+      </a:lnRef>
+      <a:fillRef idx="1">
+        <a:scrgbClr r="0" g="0" b="0"/>
+      </a:fillRef>
+      <a:effectRef idx="0">
+        <a:scrgbClr r="0" g="0" b="0"/>
+      </a:effectRef>
+      <a:fontRef idx="minor">
+        <a:schemeClr val="lt1"/>
+      </a:fontRef>
+    </dgm:style>
+  </dgm:styleLbl>
+  <dgm:styleLbl name="node1">
+    <dgm:scene3d>
+      <a:camera prst="orthographicFront"/>
+      <a:lightRig rig="threePt" dir="t"/>
+    </dgm:scene3d>
+    <dgm:sp3d/>
+    <dgm:txPr/>
+    <dgm:style>
+      <a:lnRef idx="2">
+        <a:scrgbClr r="0" g="0" b="0"/>
+      </a:lnRef>
+      <a:fillRef idx="1">
+        <a:scrgbClr r="0" g="0" b="0"/>
+      </a:fillRef>
+      <a:effectRef idx="0">
+        <a:scrgbClr r="0" g="0" b="0"/>
+      </a:effectRef>
+      <a:fontRef idx="minor">
+        <a:schemeClr val="lt1"/>
+      </a:fontRef>
+    </dgm:style>
+  </dgm:styleLbl>
+  <dgm:styleLbl name="node2">
+    <dgm:scene3d>
+      <a:camera prst="orthographicFront"/>
+      <a:lightRig rig="threePt" dir="t"/>
+    </dgm:scene3d>
+    <dgm:sp3d/>
+    <dgm:txPr/>
+    <dgm:style>
+      <a:lnRef idx="2">
+        <a:scrgbClr r="0" g="0" b="0"/>
+      </a:lnRef>
+      <a:fillRef idx="1">
+        <a:scrgbClr r="0" g="0" b="0"/>
+      </a:fillRef>
+      <a:effectRef idx="0">
+        <a:scrgbClr r="0" g="0" b="0"/>
+      </a:effectRef>
+      <a:fontRef idx="minor">
+        <a:schemeClr val="lt1"/>
+      </a:fontRef>
+    </dgm:style>
+  </dgm:styleLbl>
+  <dgm:styleLbl name="node3">
+    <dgm:scene3d>
+      <a:camera prst="orthographicFront"/>
+      <a:lightRig rig="threePt" dir="t"/>
+    </dgm:scene3d>
+    <dgm:sp3d/>
+    <dgm:txPr/>
+    <dgm:style>
+      <a:lnRef idx="2">
+        <a:scrgbClr r="0" g="0" b="0"/>
+      </a:lnRef>
+      <a:fillRef idx="1">
+        <a:scrgbClr r="0" g="0" b="0"/>
+      </a:fillRef>
+      <a:effectRef idx="0">
+        <a:scrgbClr r="0" g="0" b="0"/>
+      </a:effectRef>
+      <a:fontRef idx="minor">
+        <a:schemeClr val="lt1"/>
+      </a:fontRef>
+    </dgm:style>
+  </dgm:styleLbl>
+  <dgm:styleLbl name="node4">
+    <dgm:scene3d>
+      <a:camera prst="orthographicFront"/>
+      <a:lightRig rig="threePt" dir="t"/>
+    </dgm:scene3d>
+    <dgm:sp3d/>
+    <dgm:txPr/>
+    <dgm:style>
+      <a:lnRef idx="2">
+        <a:scrgbClr r="0" g="0" b="0"/>
+      </a:lnRef>
+      <a:fillRef idx="1">
+        <a:scrgbClr r="0" g="0" b="0"/>
+      </a:fillRef>
+      <a:effectRef idx="0">
+        <a:scrgbClr r="0" g="0" b="0"/>
+      </a:effectRef>
+      <a:fontRef idx="minor">
+        <a:schemeClr val="lt1"/>
+      </a:fontRef>
+    </dgm:style>
+  </dgm:styleLbl>
+  <dgm:styleLbl name="fgImgPlace1">
+    <dgm:scene3d>
+      <a:camera prst="orthographicFront"/>
+      <a:lightRig rig="threePt" dir="t"/>
+    </dgm:scene3d>
+    <dgm:sp3d/>
+    <dgm:txPr/>
+    <dgm:style>
+      <a:lnRef idx="2">
+        <a:scrgbClr r="0" g="0" b="0"/>
+      </a:lnRef>
+      <a:fillRef idx="1">
+        <a:scrgbClr r="0" g="0" b="0"/>
+      </a:fillRef>
+      <a:effectRef idx="0">
+        <a:scrgbClr r="0" g="0" b="0"/>
+      </a:effectRef>
+      <a:fontRef idx="minor"/>
+    </dgm:style>
+  </dgm:styleLbl>
+  <dgm:styleLbl name="alignImgPlace1">
+    <dgm:scene3d>
+      <a:camera prst="orthographicFront"/>
+      <a:lightRig rig="threePt" dir="t"/>
+    </dgm:scene3d>
+    <dgm:sp3d/>
+    <dgm:txPr/>
+    <dgm:style>
+      <a:lnRef idx="2">
+        <a:scrgbClr r="0" g="0" b="0"/>
+      </a:lnRef>
+      <a:fillRef idx="1">
+        <a:scrgbClr r="0" g="0" b="0"/>
+      </a:fillRef>
+      <a:effectRef idx="0">
+        <a:scrgbClr r="0" g="0" b="0"/>
+      </a:effectRef>
+      <a:fontRef idx="minor"/>
+    </dgm:style>
+  </dgm:styleLbl>
+  <dgm:styleLbl name="bgImgPlace1">
+    <dgm:scene3d>
+      <a:camera prst="orthographicFront"/>
+      <a:lightRig rig="threePt" dir="t"/>
+    </dgm:scene3d>
+    <dgm:sp3d/>
+    <dgm:txPr/>
+    <dgm:style>
+      <a:lnRef idx="2">
+        <a:scrgbClr r="0" g="0" b="0"/>
+      </a:lnRef>
+      <a:fillRef idx="1">
+        <a:scrgbClr r="0" g="0" b="0"/>
+      </a:fillRef>
+      <a:effectRef idx="0">
+        <a:scrgbClr r="0" g="0" b="0"/>
+      </a:effectRef>
+      <a:fontRef idx="minor"/>
+    </dgm:style>
+  </dgm:styleLbl>
+  <dgm:styleLbl name="sibTrans2D1">
+    <dgm:scene3d>
+      <a:camera prst="orthographicFront"/>
+      <a:lightRig rig="threePt" dir="t"/>
+    </dgm:scene3d>
+    <dgm:sp3d/>
+    <dgm:txPr/>
+    <dgm:style>
+      <a:lnRef idx="0">
+        <a:scrgbClr r="0" g="0" b="0"/>
+      </a:lnRef>
+      <a:fillRef idx="1">
+        <a:scrgbClr r="0" g="0" b="0"/>
+      </a:fillRef>
+      <a:effectRef idx="0">
+        <a:scrgbClr r="0" g="0" b="0"/>
+      </a:effectRef>
+      <a:fontRef idx="minor">
+        <a:schemeClr val="lt1"/>
+      </a:fontRef>
+    </dgm:style>
+  </dgm:styleLbl>
+  <dgm:styleLbl name="fgSibTrans2D1">
+    <dgm:scene3d>
+      <a:camera prst="orthographicFront"/>
+      <a:lightRig rig="threePt" dir="t"/>
+    </dgm:scene3d>
+    <dgm:sp3d/>
+    <dgm:txPr/>
+    <dgm:style>
+      <a:lnRef idx="0">
+        <a:scrgbClr r="0" g="0" b="0"/>
+      </a:lnRef>
+      <a:fillRef idx="1">
+        <a:scrgbClr r="0" g="0" b="0"/>
+      </a:fillRef>
+      <a:effectRef idx="0">
+        <a:scrgbClr r="0" g="0" b="0"/>
+      </a:effectRef>
+      <a:fontRef idx="minor">
+        <a:schemeClr val="lt1"/>
+      </a:fontRef>
+    </dgm:style>
+  </dgm:styleLbl>
+  <dgm:styleLbl name="bgSibTrans2D1">
+    <dgm:scene3d>
+      <a:camera prst="orthographicFront"/>
+      <a:lightRig rig="threePt" dir="t"/>
+    </dgm:scene3d>
+    <dgm:sp3d/>
+    <dgm:txPr/>
+    <dgm:style>
+      <a:lnRef idx="0">
+        <a:scrgbClr r="0" g="0" b="0"/>
+      </a:lnRef>
+      <a:fillRef idx="1">
+        <a:scrgbClr r="0" g="0" b="0"/>
+      </a:fillRef>
+      <a:effectRef idx="0">
+        <a:scrgbClr r="0" g="0" b="0"/>
+      </a:effectRef>
+      <a:fontRef idx="minor">
+        <a:schemeClr val="lt1"/>
+      </a:fontRef>
+    </dgm:style>
+  </dgm:styleLbl>
+  <dgm:styleLbl name="sibTrans1D1">
+    <dgm:scene3d>
+      <a:camera prst="orthographicFront"/>
+      <a:lightRig rig="threePt" dir="t"/>
+    </dgm:scene3d>
+    <dgm:sp3d/>
+    <dgm:txPr/>
+    <dgm:style>
+      <a:lnRef idx="1">
+        <a:scrgbClr r="0" g="0" b="0"/>
+      </a:lnRef>
+      <a:fillRef idx="0">
+        <a:scrgbClr r="0" g="0" b="0"/>
+      </a:fillRef>
+      <a:effectRef idx="0">
+        <a:scrgbClr r="0" g="0" b="0"/>
+      </a:effectRef>
+      <a:fontRef idx="minor"/>
+    </dgm:style>
+  </dgm:styleLbl>
+  <dgm:styleLbl name="callout">
+    <dgm:scene3d>
+      <a:camera prst="orthographicFront"/>
+      <a:lightRig rig="threePt" dir="t"/>
+    </dgm:scene3d>
+    <dgm:sp3d/>
+    <dgm:txPr/>
+    <dgm:style>
+      <a:lnRef idx="2">
+        <a:scrgbClr r="0" g="0" b="0"/>
+      </a:lnRef>
+      <a:fillRef idx="1">
+        <a:scrgbClr r="0" g="0" b="0"/>
+      </a:fillRef>
+      <a:effectRef idx="0">
+        <a:scrgbClr r="0" g="0" b="0"/>
+      </a:effectRef>
+      <a:fontRef idx="minor"/>
+    </dgm:style>
+  </dgm:styleLbl>
+  <dgm:styleLbl name="asst0">
+    <dgm:scene3d>
+      <a:camera prst="orthographicFront"/>
+      <a:lightRig rig="threePt" dir="t"/>
+    </dgm:scene3d>
+    <dgm:sp3d/>
+    <dgm:txPr/>
+    <dgm:style>
+      <a:lnRef idx="2">
+        <a:scrgbClr r="0" g="0" b="0"/>
+      </a:lnRef>
+      <a:fillRef idx="1">
+        <a:scrgbClr r="0" g="0" b="0"/>
+      </a:fillRef>
+      <a:effectRef idx="0">
+        <a:scrgbClr r="0" g="0" b="0"/>
+      </a:effectRef>
+      <a:fontRef idx="minor">
+        <a:schemeClr val="lt1"/>
+      </a:fontRef>
+    </dgm:style>
+  </dgm:styleLbl>
+  <dgm:styleLbl name="asst1">
+    <dgm:scene3d>
+      <a:camera prst="orthographicFront"/>
+      <a:lightRig rig="threePt" dir="t"/>
+    </dgm:scene3d>
+    <dgm:sp3d/>
+    <dgm:txPr/>
+    <dgm:style>
+      <a:lnRef idx="2">
+        <a:scrgbClr r="0" g="0" b="0"/>
+      </a:lnRef>
+      <a:fillRef idx="1">
+        <a:scrgbClr r="0" g="0" b="0"/>
+      </a:fillRef>
+      <a:effectRef idx="0">
+        <a:scrgbClr r="0" g="0" b="0"/>
+      </a:effectRef>
+      <a:fontRef idx="minor">
+        <a:schemeClr val="lt1"/>
+      </a:fontRef>
+    </dgm:style>
+  </dgm:styleLbl>
+  <dgm:styleLbl name="asst2">
+    <dgm:scene3d>
+      <a:camera prst="orthographicFront"/>
+      <a:lightRig rig="threePt" dir="t"/>
+    </dgm:scene3d>
+    <dgm:sp3d/>
+    <dgm:txPr/>
+    <dgm:style>
+      <a:lnRef idx="2">
+        <a:scrgbClr r="0" g="0" b="0"/>
+      </a:lnRef>
+      <a:fillRef idx="1">
+        <a:scrgbClr r="0" g="0" b="0"/>
+      </a:fillRef>
+      <a:effectRef idx="0">
+        <a:scrgbClr r="0" g="0" b="0"/>
+      </a:effectRef>
+      <a:fontRef idx="minor">
+        <a:schemeClr val="lt1"/>
+      </a:fontRef>
+    </dgm:style>
+  </dgm:styleLbl>
+  <dgm:styleLbl name="asst3">
+    <dgm:scene3d>
+      <a:camera prst="orthographicFront"/>
+      <a:lightRig rig="threePt" dir="t"/>
+    </dgm:scene3d>
+    <dgm:sp3d/>
+    <dgm:txPr/>
+    <dgm:style>
+      <a:lnRef idx="2">
+        <a:scrgbClr r="0" g="0" b="0"/>
+      </a:lnRef>
+      <a:fillRef idx="1">
+        <a:scrgbClr r="0" g="0" b="0"/>
+      </a:fillRef>
+      <a:effectRef idx="0">
+        <a:scrgbClr r="0" g="0" b="0"/>
+      </a:effectRef>
+      <a:fontRef idx="minor">
+        <a:schemeClr val="lt1"/>
+      </a:fontRef>
+    </dgm:style>
+  </dgm:styleLbl>
+  <dgm:styleLbl name="asst4">
+    <dgm:scene3d>
+      <a:camera prst="orthographicFront"/>
+      <a:lightRig rig="threePt" dir="t"/>
+    </dgm:scene3d>
+    <dgm:sp3d/>
+    <dgm:txPr/>
+    <dgm:style>
+      <a:lnRef idx="2">
+        <a:scrgbClr r="0" g="0" b="0"/>
+      </a:lnRef>
+      <a:fillRef idx="1">
+        <a:scrgbClr r="0" g="0" b="0"/>
+      </a:fillRef>
+      <a:effectRef idx="0">
+        <a:scrgbClr r="0" g="0" b="0"/>
+      </a:effectRef>
+      <a:fontRef idx="minor">
+        <a:schemeClr val="lt1"/>
+      </a:fontRef>
+    </dgm:style>
+  </dgm:styleLbl>
+  <dgm:styleLbl name="parChTrans2D1">
+    <dgm:scene3d>
+      <a:camera prst="orthographicFront"/>
+      <a:lightRig rig="threePt" dir="t"/>
+    </dgm:scene3d>
+    <dgm:sp3d/>
+    <dgm:txPr/>
+    <dgm:style>
+      <a:lnRef idx="2">
+        <a:scrgbClr r="0" g="0" b="0"/>
+      </a:lnRef>
+      <a:fillRef idx="1">
+        <a:scrgbClr r="0" g="0" b="0"/>
+      </a:fillRef>
+      <a:effectRef idx="0">
+        <a:scrgbClr r="0" g="0" b="0"/>
+      </a:effectRef>
+      <a:fontRef idx="minor">
+        <a:schemeClr val="lt1"/>
+      </a:fontRef>
+    </dgm:style>
+  </dgm:styleLbl>
+  <dgm:styleLbl name="parChTrans2D2">
+    <dgm:scene3d>
+      <a:camera prst="orthographicFront"/>
+      <a:lightRig rig="threePt" dir="t"/>
+    </dgm:scene3d>
+    <dgm:sp3d/>
+    <dgm:txPr/>
+    <dgm:style>
+      <a:lnRef idx="2">
+        <a:scrgbClr r="0" g="0" b="0"/>
+      </a:lnRef>
+      <a:fillRef idx="1">
+        <a:scrgbClr r="0" g="0" b="0"/>
+      </a:fillRef>
+      <a:effectRef idx="0">
+        <a:scrgbClr r="0" g="0" b="0"/>
+      </a:effectRef>
+      <a:fontRef idx="minor">
+        <a:schemeClr val="lt1"/>
+      </a:fontRef>
+    </dgm:style>
+  </dgm:styleLbl>
+  <dgm:styleLbl name="parChTrans2D3">
+    <dgm:scene3d>
+      <a:camera prst="orthographicFront"/>
+      <a:lightRig rig="threePt" dir="t"/>
+    </dgm:scene3d>
+    <dgm:sp3d/>
+    <dgm:txPr/>
+    <dgm:style>
+      <a:lnRef idx="2">
+        <a:scrgbClr r="0" g="0" b="0"/>
+      </a:lnRef>
+      <a:fillRef idx="1">
+        <a:scrgbClr r="0" g="0" b="0"/>
+      </a:fillRef>
+      <a:effectRef idx="0">
+        <a:scrgbClr r="0" g="0" b="0"/>
+      </a:effectRef>
+      <a:fontRef idx="minor">
+        <a:schemeClr val="lt1"/>
+      </a:fontRef>
+    </dgm:style>
+  </dgm:styleLbl>
+  <dgm:styleLbl name="parChTrans2D4">
+    <dgm:scene3d>
+      <a:camera prst="orthographicFront"/>
+      <a:lightRig rig="threePt" dir="t"/>
+    </dgm:scene3d>
+    <dgm:sp3d/>
+    <dgm:txPr/>
+    <dgm:style>
+      <a:lnRef idx="2">
+        <a:scrgbClr r="0" g="0" b="0"/>
+      </a:lnRef>
+      <a:fillRef idx="1">
+        <a:scrgbClr r="0" g="0" b="0"/>
+      </a:fillRef>
+      <a:effectRef idx="0">
+        <a:scrgbClr r="0" g="0" b="0"/>
+      </a:effectRef>
+      <a:fontRef idx="minor">
+        <a:schemeClr val="lt1"/>
+      </a:fontRef>
+    </dgm:style>
+  </dgm:styleLbl>
+  <dgm:styleLbl name="parChTrans1D1">
+    <dgm:scene3d>
+      <a:camera prst="orthographicFront"/>
+      <a:lightRig rig="threePt" dir="t"/>
+    </dgm:scene3d>
+    <dgm:sp3d/>
+    <dgm:txPr/>
+    <dgm:style>
+      <a:lnRef idx="2">
+        <a:scrgbClr r="0" g="0" b="0"/>
+      </a:lnRef>
+      <a:fillRef idx="0">
+        <a:scrgbClr r="0" g="0" b="0"/>
+      </a:fillRef>
+      <a:effectRef idx="0">
+        <a:scrgbClr r="0" g="0" b="0"/>
+      </a:effectRef>
+      <a:fontRef idx="minor"/>
+    </dgm:style>
+  </dgm:styleLbl>
+  <dgm:styleLbl name="parChTrans1D2">
+    <dgm:scene3d>
+      <a:camera prst="orthographicFront"/>
+      <a:lightRig rig="threePt" dir="t"/>
+    </dgm:scene3d>
+    <dgm:sp3d/>
+    <dgm:txPr/>
+    <dgm:style>
+      <a:lnRef idx="2">
+        <a:scrgbClr r="0" g="0" b="0"/>
+      </a:lnRef>
+      <a:fillRef idx="0">
+        <a:scrgbClr r="0" g="0" b="0"/>
+      </a:fillRef>
+      <a:effectRef idx="0">
+        <a:scrgbClr r="0" g="0" b="0"/>
+      </a:effectRef>
+      <a:fontRef idx="minor"/>
+    </dgm:style>
+  </dgm:styleLbl>
+  <dgm:styleLbl name="parChTrans1D3">
+    <dgm:scene3d>
+      <a:camera prst="orthographicFront"/>
+      <a:lightRig rig="threePt" dir="t"/>
+    </dgm:scene3d>
+    <dgm:sp3d/>
+    <dgm:txPr/>
+    <dgm:style>
+      <a:lnRef idx="2">
+        <a:scrgbClr r="0" g="0" b="0"/>
+      </a:lnRef>
+      <a:fillRef idx="0">
+        <a:scrgbClr r="0" g="0" b="0"/>
+      </a:fillRef>
+      <a:effectRef idx="0">
+        <a:scrgbClr r="0" g="0" b="0"/>
+      </a:effectRef>
+      <a:fontRef idx="minor"/>
+    </dgm:style>
+  </dgm:styleLbl>
+  <dgm:styleLbl name="parChTrans1D4">
+    <dgm:scene3d>
+      <a:camera prst="orthographicFront"/>
+      <a:lightRig rig="threePt" dir="t"/>
+    </dgm:scene3d>
+    <dgm:sp3d/>
+    <dgm:txPr/>
+    <dgm:style>
+      <a:lnRef idx="2">
+        <a:scrgbClr r="0" g="0" b="0"/>
+      </a:lnRef>
+      <a:fillRef idx="0">
+        <a:scrgbClr r="0" g="0" b="0"/>
+      </a:fillRef>
+      <a:effectRef idx="0">
+        <a:scrgbClr r="0" g="0" b="0"/>
+      </a:effectRef>
+      <a:fontRef idx="minor"/>
+    </dgm:style>
+  </dgm:styleLbl>
+  <dgm:styleLbl name="fgAcc1">
+    <dgm:scene3d>
+      <a:camera prst="orthographicFront"/>
+      <a:lightRig rig="threePt" dir="t"/>
+    </dgm:scene3d>
+    <dgm:sp3d/>
+    <dgm:txPr/>
+    <dgm:style>
+      <a:lnRef idx="2">
+        <a:scrgbClr r="0" g="0" b="0"/>
+      </a:lnRef>
+      <a:fillRef idx="1">
+        <a:scrgbClr r="0" g="0" b="0"/>
+      </a:fillRef>
+      <a:effectRef idx="0">
+        <a:scrgbClr r="0" g="0" b="0"/>
+      </a:effectRef>
+      <a:fontRef idx="minor"/>
+    </dgm:style>
+  </dgm:styleLbl>
+  <dgm:styleLbl name="conFgAcc1">
+    <dgm:scene3d>
+      <a:camera prst="orthographicFront"/>
+      <a:lightRig rig="threePt" dir="t"/>
+    </dgm:scene3d>
+    <dgm:sp3d/>
+    <dgm:txPr/>
+    <dgm:style>
+      <a:lnRef idx="2">
+        <a:scrgbClr r="0" g="0" b="0"/>
+      </a:lnRef>
+      <a:fillRef idx="1">
+        <a:scrgbClr r="0" g="0" b="0"/>
+      </a:fillRef>
+      <a:effectRef idx="0">
+        <a:scrgbClr r="0" g="0" b="0"/>
+      </a:effectRef>
+      <a:fontRef idx="minor"/>
+    </dgm:style>
+  </dgm:styleLbl>
+  <dgm:styleLbl name="alignAcc1">
+    <dgm:scene3d>
+      <a:camera prst="orthographicFront"/>
+      <a:lightRig rig="threePt" dir="t"/>
+    </dgm:scene3d>
+    <dgm:sp3d/>
+    <dgm:txPr/>
+    <dgm:style>
+      <a:lnRef idx="2">
+        <a:scrgbClr r="0" g="0" b="0"/>
+      </a:lnRef>
+      <a:fillRef idx="1">
+        <a:scrgbClr r="0" g="0" b="0"/>
+      </a:fillRef>
+      <a:effectRef idx="0">
+        <a:scrgbClr r="0" g="0" b="0"/>
+      </a:effectRef>
+      <a:fontRef idx="minor"/>
+    </dgm:style>
+  </dgm:styleLbl>
+  <dgm:styleLbl name="trAlignAcc1">
+    <dgm:scene3d>
+      <a:camera prst="orthographicFront"/>
+      <a:lightRig rig="threePt" dir="t"/>
+    </dgm:scene3d>
+    <dgm:sp3d/>
+    <dgm:txPr/>
+    <dgm:style>
+      <a:lnRef idx="1">
+        <a:scrgbClr r="0" g="0" b="0"/>
+      </a:lnRef>
+      <a:fillRef idx="1">
+        <a:scrgbClr r="0" g="0" b="0"/>
+      </a:fillRef>
+      <a:effectRef idx="0">
+        <a:scrgbClr r="0" g="0" b="0"/>
+      </a:effectRef>
+      <a:fontRef idx="minor"/>
+    </dgm:style>
+  </dgm:styleLbl>
+  <dgm:styleLbl name="bgAcc1">
+    <dgm:scene3d>
+      <a:camera prst="orthographicFront"/>
+      <a:lightRig rig="threePt" dir="t"/>
+    </dgm:scene3d>
+    <dgm:sp3d/>
+    <dgm:txPr/>
+    <dgm:style>
+      <a:lnRef idx="2">
+        <a:scrgbClr r="0" g="0" b="0"/>
+      </a:lnRef>
+      <a:fillRef idx="1">
+        <a:scrgbClr r="0" g="0" b="0"/>
+      </a:fillRef>
+      <a:effectRef idx="0">
+        <a:scrgbClr r="0" g="0" b="0"/>
+      </a:effectRef>
+      <a:fontRef idx="minor"/>
+    </dgm:style>
+  </dgm:styleLbl>
+  <dgm:styleLbl name="solidFgAcc1">
+    <dgm:scene3d>
+      <a:camera prst="orthographicFront"/>
+      <a:lightRig rig="threePt" dir="t"/>
+    </dgm:scene3d>
+    <dgm:sp3d/>
+    <dgm:txPr/>
+    <dgm:style>
+      <a:lnRef idx="2">
+        <a:scrgbClr r="0" g="0" b="0"/>
+      </a:lnRef>
+      <a:fillRef idx="1">
+        <a:scrgbClr r="0" g="0" b="0"/>
+      </a:fillRef>
+      <a:effectRef idx="0">
+        <a:scrgbClr r="0" g="0" b="0"/>
+      </a:effectRef>
+      <a:fontRef idx="minor"/>
+    </dgm:style>
+  </dgm:styleLbl>
+  <dgm:styleLbl name="solidAlignAcc1">
+    <dgm:scene3d>
+      <a:camera prst="orthographicFront"/>
+      <a:lightRig rig="threePt" dir="t"/>
+    </dgm:scene3d>
+    <dgm:sp3d/>
+    <dgm:txPr/>
+    <dgm:style>
+      <a:lnRef idx="2">
+        <a:scrgbClr r="0" g="0" b="0"/>
+      </a:lnRef>
+      <a:fillRef idx="1">
+        <a:scrgbClr r="0" g="0" b="0"/>
+      </a:fillRef>
+      <a:effectRef idx="0">
+        <a:scrgbClr r="0" g="0" b="0"/>
+      </a:effectRef>
+      <a:fontRef idx="minor"/>
+    </dgm:style>
+  </dgm:styleLbl>
+  <dgm:styleLbl name="solidBgAcc1">
+    <dgm:scene3d>
+      <a:camera prst="orthographicFront"/>
+      <a:lightRig rig="threePt" dir="t"/>
+    </dgm:scene3d>
+    <dgm:sp3d/>
+    <dgm:txPr/>
+    <dgm:style>
+      <a:lnRef idx="2">
+        <a:scrgbClr r="0" g="0" b="0"/>
+      </a:lnRef>
+      <a:fillRef idx="1">
+        <a:scrgbClr r="0" g="0" b="0"/>
+      </a:fillRef>
+      <a:effectRef idx="0">
+        <a:scrgbClr r="0" g="0" b="0"/>
+      </a:effectRef>
+      <a:fontRef idx="minor"/>
+    </dgm:style>
+  </dgm:styleLbl>
+  <dgm:styleLbl name="fgAccFollowNode1">
+    <dgm:scene3d>
+      <a:camera prst="orthographicFront"/>
+      <a:lightRig rig="threePt" dir="t"/>
+    </dgm:scene3d>
+    <dgm:sp3d/>
+    <dgm:txPr/>
+    <dgm:style>
+      <a:lnRef idx="2">
+        <a:scrgbClr r="0" g="0" b="0"/>
+      </a:lnRef>
+      <a:fillRef idx="1">
+        <a:scrgbClr r="0" g="0" b="0"/>
+      </a:fillRef>
+      <a:effectRef idx="0">
+        <a:scrgbClr r="0" g="0" b="0"/>
+      </a:effectRef>
+      <a:fontRef idx="minor"/>
+    </dgm:style>
+  </dgm:styleLbl>
+  <dgm:styleLbl name="alignAccFollowNode1">
+    <dgm:scene3d>
+      <a:camera prst="orthographicFront"/>
+      <a:lightRig rig="threePt" dir="t"/>
+    </dgm:scene3d>
+    <dgm:sp3d/>
+    <dgm:txPr/>
+    <dgm:style>
+      <a:lnRef idx="2">
+        <a:scrgbClr r="0" g="0" b="0"/>
+      </a:lnRef>
+      <a:fillRef idx="1">
+        <a:scrgbClr r="0" g="0" b="0"/>
+      </a:fillRef>
+      <a:effectRef idx="0">
+        <a:scrgbClr r="0" g="0" b="0"/>
+      </a:effectRef>
+      <a:fontRef idx="minor"/>
+    </dgm:style>
+  </dgm:styleLbl>
+  <dgm:styleLbl name="bgAccFollowNode1">
+    <dgm:scene3d>
+      <a:camera prst="orthographicFront"/>
+      <a:lightRig rig="threePt" dir="t"/>
+    </dgm:scene3d>
+    <dgm:sp3d/>
+    <dgm:txPr/>
+    <dgm:style>
+      <a:lnRef idx="2">
+        <a:scrgbClr r="0" g="0" b="0"/>
+      </a:lnRef>
+      <a:fillRef idx="1">
+        <a:scrgbClr r="0" g="0" b="0"/>
+      </a:fillRef>
+      <a:effectRef idx="0">
+        <a:scrgbClr r="0" g="0" b="0"/>
+      </a:effectRef>
+      <a:fontRef idx="minor"/>
+    </dgm:style>
+  </dgm:styleLbl>
+  <dgm:styleLbl name="fgAcc0">
+    <dgm:scene3d>
+      <a:camera prst="orthographicFront"/>
+      <a:lightRig rig="threePt" dir="t"/>
+    </dgm:scene3d>
+    <dgm:sp3d/>
+    <dgm:txPr/>
+    <dgm:style>
+      <a:lnRef idx="2">
+        <a:scrgbClr r="0" g="0" b="0"/>
+      </a:lnRef>
+      <a:fillRef idx="1">
+        <a:scrgbClr r="0" g="0" b="0"/>
+      </a:fillRef>
+      <a:effectRef idx="0">
+        <a:scrgbClr r="0" g="0" b="0"/>
+      </a:effectRef>
+      <a:fontRef idx="minor"/>
+    </dgm:style>
+  </dgm:styleLbl>
+  <dgm:styleLbl name="fgAcc2">
+    <dgm:scene3d>
+      <a:camera prst="orthographicFront"/>
+      <a:lightRig rig="threePt" dir="t"/>
+    </dgm:scene3d>
+    <dgm:sp3d/>
+    <dgm:txPr/>
+    <dgm:style>
+      <a:lnRef idx="2">
+        <a:scrgbClr r="0" g="0" b="0"/>
+      </a:lnRef>
+      <a:fillRef idx="1">
+        <a:scrgbClr r="0" g="0" b="0"/>
+      </a:fillRef>
+      <a:effectRef idx="0">
+        <a:scrgbClr r="0" g="0" b="0"/>
+      </a:effectRef>
+      <a:fontRef idx="minor"/>
+    </dgm:style>
+  </dgm:styleLbl>
+  <dgm:styleLbl name="fgAcc3">
+    <dgm:scene3d>
+      <a:camera prst="orthographicFront"/>
+      <a:lightRig rig="threePt" dir="t"/>
+    </dgm:scene3d>
+    <dgm:sp3d/>
+    <dgm:txPr/>
+    <dgm:style>
+      <a:lnRef idx="2">
+        <a:scrgbClr r="0" g="0" b="0"/>
+      </a:lnRef>
+      <a:fillRef idx="1">
+        <a:scrgbClr r="0" g="0" b="0"/>
+      </a:fillRef>
+      <a:effectRef idx="0">
+        <a:scrgbClr r="0" g="0" b="0"/>
+      </a:effectRef>
+      <a:fontRef idx="minor"/>
+    </dgm:style>
+  </dgm:styleLbl>
+  <dgm:styleLbl name="fgAcc4">
+    <dgm:scene3d>
+      <a:camera prst="orthographicFront"/>
+      <a:lightRig rig="threePt" dir="t"/>
+    </dgm:scene3d>
+    <dgm:sp3d/>
+    <dgm:txPr/>
+    <dgm:style>
+      <a:lnRef idx="2">
+        <a:scrgbClr r="0" g="0" b="0"/>
+      </a:lnRef>
+      <a:fillRef idx="1">
+        <a:scrgbClr r="0" g="0" b="0"/>
+      </a:fillRef>
+      <a:effectRef idx="0">
+        <a:scrgbClr r="0" g="0" b="0"/>
+      </a:effectRef>
+      <a:fontRef idx="minor"/>
+    </dgm:style>
+  </dgm:styleLbl>
+  <dgm:styleLbl name="bgShp">
+    <dgm:scene3d>
+      <a:camera prst="orthographicFront"/>
+      <a:lightRig rig="threePt" dir="t"/>
+    </dgm:scene3d>
+    <dgm:sp3d/>
+    <dgm:txPr/>
+    <dgm:style>
+      <a:lnRef idx="0">
+        <a:scrgbClr r="0" g="0" b="0"/>
+      </a:lnRef>
+      <a:fillRef idx="1">
+        <a:scrgbClr r="0" g="0" b="0"/>
+      </a:fillRef>
+      <a:effectRef idx="0">
+        <a:scrgbClr r="0" g="0" b="0"/>
+      </a:effectRef>
+      <a:fontRef idx="minor"/>
+    </dgm:style>
+  </dgm:styleLbl>
+  <dgm:styleLbl name="dkBgShp">
+    <dgm:scene3d>
+      <a:camera prst="orthographicFront"/>
+      <a:lightRig rig="threePt" dir="t"/>
+    </dgm:scene3d>
+    <dgm:sp3d/>
+    <dgm:txPr/>
+    <dgm:style>
+      <a:lnRef idx="0">
+        <a:scrgbClr r="0" g="0" b="0"/>
+      </a:lnRef>
+      <a:fillRef idx="1">
+        <a:scrgbClr r="0" g="0" b="0"/>
+      </a:fillRef>
+      <a:effectRef idx="0">
+        <a:scrgbClr r="0" g="0" b="0"/>
+      </a:effectRef>
+      <a:fontRef idx="minor"/>
+    </dgm:style>
+  </dgm:styleLbl>
+  <dgm:styleLbl name="trBgShp">
+    <dgm:scene3d>
+      <a:camera prst="orthographicFront"/>
+      <a:lightRig rig="threePt" dir="t"/>
+    </dgm:scene3d>
+    <dgm:sp3d/>
+    <dgm:txPr/>
+    <dgm:style>
+      <a:lnRef idx="0">
+        <a:scrgbClr r="0" g="0" b="0"/>
+      </a:lnRef>
+      <a:fillRef idx="1">
+        <a:scrgbClr r="0" g="0" b="0"/>
+      </a:fillRef>
+      <a:effectRef idx="0">
+        <a:scrgbClr r="0" g="0" b="0"/>
+      </a:effectRef>
+      <a:fontRef idx="minor"/>
+    </dgm:style>
+  </dgm:styleLbl>
+  <dgm:styleLbl name="fgShp">
+    <dgm:scene3d>
+      <a:camera prst="orthographicFront"/>
+      <a:lightRig rig="threePt" dir="t"/>
+    </dgm:scene3d>
+    <dgm:sp3d/>
+    <dgm:txPr/>
+    <dgm:style>
+      <a:lnRef idx="2">
+        <a:scrgbClr r="0" g="0" b="0"/>
+      </a:lnRef>
+      <a:fillRef idx="1">
+        <a:scrgbClr r="0" g="0" b="0"/>
+      </a:fillRef>
+      <a:effectRef idx="0">
+        <a:scrgbClr r="0" g="0" b="0"/>
+      </a:effectRef>
+      <a:fontRef idx="minor"/>
+    </dgm:style>
+  </dgm:styleLbl>
+  <dgm:styleLbl name="revTx">
+    <dgm:scene3d>
+      <a:camera prst="orthographicFront"/>
+      <a:lightRig rig="threePt" dir="t"/>
+    </dgm:scene3d>
+    <dgm:sp3d/>
+    <dgm:txPr/>
+    <dgm:style>
+      <a:lnRef idx="0">
+        <a:scrgbClr r="0" g="0" b="0"/>
+      </a:lnRef>
+      <a:fillRef idx="0">
+        <a:scrgbClr r="0" g="0" b="0"/>
+      </a:fillRef>
+      <a:effectRef idx="0">
+        <a:scrgbClr r="0" g="0" b="0"/>
+      </a:effectRef>
+      <a:fontRef idx="minor"/>
+    </dgm:style>
+  </dgm:styleLbl>
+</dgm:styleDef>
+</file>
+
 <file path=ppt/slideLayouts/slideLayout1.xml><?xml version="1.0" encoding="utf-8"?>
 <p:sldLayout xmlns:a="http://schemas.openxmlformats.org/drawingml/2006/main" xmlns:r="http://schemas.openxmlformats.org/officeDocument/2006/relationships" xmlns:p="http://schemas.openxmlformats.org/presentationml/2006/main" type="title" preserve="1">
   <p:cSld name="Title Slide">
@@ -165,10 +3214,9 @@
           </a:lstStyle>
           <a:p>
             <a:r>
-              <a:rPr lang="en-US" smtClean="0"/>
+              <a:rPr lang="en-US"/>
               <a:t>Click to edit Master title style</a:t>
             </a:r>
-            <a:endParaRPr lang="en-US"/>
           </a:p>
         </p:txBody>
       </p:sp>
@@ -230,10 +3278,9 @@
           </a:lstStyle>
           <a:p>
             <a:r>
-              <a:rPr lang="en-US" smtClean="0"/>
+              <a:rPr lang="en-US"/>
               <a:t>Click to edit Master subtitle style</a:t>
             </a:r>
-            <a:endParaRPr lang="en-US"/>
           </a:p>
         </p:txBody>
       </p:sp>
@@ -254,7 +3301,7 @@
           <a:p>
             <a:fld id="{88144BA3-DF5C-4D4D-AD1F-D6D6D1AE6436}" type="datetimeFigureOut">
               <a:rPr lang="en-US" smtClean="0"/>
-              <a:t>5/19/2016</a:t>
+              <a:t>1/20/2017</a:t>
             </a:fld>
             <a:endParaRPr lang="en-US"/>
           </a:p>
@@ -348,10 +3395,9 @@
           <a:lstStyle/>
           <a:p>
             <a:r>
-              <a:rPr lang="en-US" smtClean="0"/>
+              <a:rPr lang="en-US"/>
               <a:t>Click to edit Master title style</a:t>
             </a:r>
-            <a:endParaRPr lang="en-US"/>
           </a:p>
         </p:txBody>
       </p:sp>
@@ -372,38 +3418,37 @@
           <a:p>
             <a:pPr lvl="0"/>
             <a:r>
-              <a:rPr lang="en-US" smtClean="0"/>
+              <a:rPr lang="en-US"/>
               <a:t>Edit Master text styles</a:t>
             </a:r>
           </a:p>
           <a:p>
             <a:pPr lvl="1"/>
             <a:r>
-              <a:rPr lang="en-US" smtClean="0"/>
+              <a:rPr lang="en-US"/>
               <a:t>Second level</a:t>
             </a:r>
           </a:p>
           <a:p>
             <a:pPr lvl="2"/>
             <a:r>
-              <a:rPr lang="en-US" smtClean="0"/>
+              <a:rPr lang="en-US"/>
               <a:t>Third level</a:t>
             </a:r>
           </a:p>
           <a:p>
             <a:pPr lvl="3"/>
             <a:r>
-              <a:rPr lang="en-US" smtClean="0"/>
+              <a:rPr lang="en-US"/>
               <a:t>Fourth level</a:t>
             </a:r>
           </a:p>
           <a:p>
             <a:pPr lvl="4"/>
             <a:r>
-              <a:rPr lang="en-US" smtClean="0"/>
+              <a:rPr lang="en-US"/>
               <a:t>Fifth level</a:t>
             </a:r>
-            <a:endParaRPr lang="en-US"/>
           </a:p>
         </p:txBody>
       </p:sp>
@@ -424,7 +3469,7 @@
           <a:p>
             <a:fld id="{88144BA3-DF5C-4D4D-AD1F-D6D6D1AE6436}" type="datetimeFigureOut">
               <a:rPr lang="en-US" smtClean="0"/>
-              <a:t>5/19/2016</a:t>
+              <a:t>1/20/2017</a:t>
             </a:fld>
             <a:endParaRPr lang="en-US"/>
           </a:p>
@@ -523,10 +3568,9 @@
           <a:lstStyle/>
           <a:p>
             <a:r>
-              <a:rPr lang="en-US" smtClean="0"/>
+              <a:rPr lang="en-US"/>
               <a:t>Click to edit Master title style</a:t>
             </a:r>
-            <a:endParaRPr lang="en-US"/>
           </a:p>
         </p:txBody>
       </p:sp>
@@ -552,38 +3596,37 @@
           <a:p>
             <a:pPr lvl="0"/>
             <a:r>
-              <a:rPr lang="en-US" smtClean="0"/>
+              <a:rPr lang="en-US"/>
               <a:t>Edit Master text styles</a:t>
             </a:r>
           </a:p>
           <a:p>
             <a:pPr lvl="1"/>
             <a:r>
-              <a:rPr lang="en-US" smtClean="0"/>
+              <a:rPr lang="en-US"/>
               <a:t>Second level</a:t>
             </a:r>
           </a:p>
           <a:p>
             <a:pPr lvl="2"/>
             <a:r>
-              <a:rPr lang="en-US" smtClean="0"/>
+              <a:rPr lang="en-US"/>
               <a:t>Third level</a:t>
             </a:r>
           </a:p>
           <a:p>
             <a:pPr lvl="3"/>
             <a:r>
-              <a:rPr lang="en-US" smtClean="0"/>
+              <a:rPr lang="en-US"/>
               <a:t>Fourth level</a:t>
             </a:r>
           </a:p>
           <a:p>
             <a:pPr lvl="4"/>
             <a:r>
-              <a:rPr lang="en-US" smtClean="0"/>
+              <a:rPr lang="en-US"/>
               <a:t>Fifth level</a:t>
             </a:r>
-            <a:endParaRPr lang="en-US"/>
           </a:p>
         </p:txBody>
       </p:sp>
@@ -604,7 +3647,7 @@
           <a:p>
             <a:fld id="{88144BA3-DF5C-4D4D-AD1F-D6D6D1AE6436}" type="datetimeFigureOut">
               <a:rPr lang="en-US" smtClean="0"/>
-              <a:t>5/19/2016</a:t>
+              <a:t>1/20/2017</a:t>
             </a:fld>
             <a:endParaRPr lang="en-US"/>
           </a:p>
@@ -698,10 +3741,9 @@
           <a:lstStyle/>
           <a:p>
             <a:r>
-              <a:rPr lang="en-US" smtClean="0"/>
+              <a:rPr lang="en-US"/>
               <a:t>Click to edit Master title style</a:t>
             </a:r>
-            <a:endParaRPr lang="en-US"/>
           </a:p>
         </p:txBody>
       </p:sp>
@@ -722,38 +3764,37 @@
           <a:p>
             <a:pPr lvl="0"/>
             <a:r>
-              <a:rPr lang="en-US" smtClean="0"/>
+              <a:rPr lang="en-US"/>
               <a:t>Edit Master text styles</a:t>
             </a:r>
           </a:p>
           <a:p>
             <a:pPr lvl="1"/>
             <a:r>
-              <a:rPr lang="en-US" smtClean="0"/>
+              <a:rPr lang="en-US"/>
               <a:t>Second level</a:t>
             </a:r>
           </a:p>
           <a:p>
             <a:pPr lvl="2"/>
             <a:r>
-              <a:rPr lang="en-US" smtClean="0"/>
+              <a:rPr lang="en-US"/>
               <a:t>Third level</a:t>
             </a:r>
           </a:p>
           <a:p>
             <a:pPr lvl="3"/>
             <a:r>
-              <a:rPr lang="en-US" smtClean="0"/>
+              <a:rPr lang="en-US"/>
               <a:t>Fourth level</a:t>
             </a:r>
           </a:p>
           <a:p>
             <a:pPr lvl="4"/>
             <a:r>
-              <a:rPr lang="en-US" smtClean="0"/>
+              <a:rPr lang="en-US"/>
               <a:t>Fifth level</a:t>
             </a:r>
-            <a:endParaRPr lang="en-US"/>
           </a:p>
         </p:txBody>
       </p:sp>
@@ -774,7 +3815,7 @@
           <a:p>
             <a:fld id="{88144BA3-DF5C-4D4D-AD1F-D6D6D1AE6436}" type="datetimeFigureOut">
               <a:rPr lang="en-US" smtClean="0"/>
-              <a:t>5/19/2016</a:t>
+              <a:t>1/20/2017</a:t>
             </a:fld>
             <a:endParaRPr lang="en-US"/>
           </a:p>
@@ -877,10 +3918,9 @@
           </a:lstStyle>
           <a:p>
             <a:r>
-              <a:rPr lang="en-US" smtClean="0"/>
+              <a:rPr lang="en-US"/>
               <a:t>Click to edit Master title style</a:t>
             </a:r>
-            <a:endParaRPr lang="en-US"/>
           </a:p>
         </p:txBody>
       </p:sp>
@@ -997,7 +4037,7 @@
           <a:p>
             <a:pPr lvl="0"/>
             <a:r>
-              <a:rPr lang="en-US" smtClean="0"/>
+              <a:rPr lang="en-US"/>
               <a:t>Edit Master text styles</a:t>
             </a:r>
           </a:p>
@@ -1020,7 +4060,7 @@
           <a:p>
             <a:fld id="{88144BA3-DF5C-4D4D-AD1F-D6D6D1AE6436}" type="datetimeFigureOut">
               <a:rPr lang="en-US" smtClean="0"/>
-              <a:t>5/19/2016</a:t>
+              <a:t>1/20/2017</a:t>
             </a:fld>
             <a:endParaRPr lang="en-US"/>
           </a:p>
@@ -1114,10 +4154,9 @@
           <a:lstStyle/>
           <a:p>
             <a:r>
-              <a:rPr lang="en-US" smtClean="0"/>
+              <a:rPr lang="en-US"/>
               <a:t>Click to edit Master title style</a:t>
             </a:r>
-            <a:endParaRPr lang="en-US"/>
           </a:p>
         </p:txBody>
       </p:sp>
@@ -1143,38 +4182,37 @@
           <a:p>
             <a:pPr lvl="0"/>
             <a:r>
-              <a:rPr lang="en-US" smtClean="0"/>
+              <a:rPr lang="en-US"/>
               <a:t>Edit Master text styles</a:t>
             </a:r>
           </a:p>
           <a:p>
             <a:pPr lvl="1"/>
             <a:r>
-              <a:rPr lang="en-US" smtClean="0"/>
+              <a:rPr lang="en-US"/>
               <a:t>Second level</a:t>
             </a:r>
           </a:p>
           <a:p>
             <a:pPr lvl="2"/>
             <a:r>
-              <a:rPr lang="en-US" smtClean="0"/>
+              <a:rPr lang="en-US"/>
               <a:t>Third level</a:t>
             </a:r>
           </a:p>
           <a:p>
             <a:pPr lvl="3"/>
             <a:r>
-              <a:rPr lang="en-US" smtClean="0"/>
+              <a:rPr lang="en-US"/>
               <a:t>Fourth level</a:t>
             </a:r>
           </a:p>
           <a:p>
             <a:pPr lvl="4"/>
             <a:r>
-              <a:rPr lang="en-US" smtClean="0"/>
+              <a:rPr lang="en-US"/>
               <a:t>Fifth level</a:t>
             </a:r>
-            <a:endParaRPr lang="en-US"/>
           </a:p>
         </p:txBody>
       </p:sp>
@@ -1200,38 +4238,37 @@
           <a:p>
             <a:pPr lvl="0"/>
             <a:r>
-              <a:rPr lang="en-US" smtClean="0"/>
+              <a:rPr lang="en-US"/>
               <a:t>Edit Master text styles</a:t>
             </a:r>
           </a:p>
           <a:p>
             <a:pPr lvl="1"/>
             <a:r>
-              <a:rPr lang="en-US" smtClean="0"/>
+              <a:rPr lang="en-US"/>
               <a:t>Second level</a:t>
             </a:r>
           </a:p>
           <a:p>
             <a:pPr lvl="2"/>
             <a:r>
-              <a:rPr lang="en-US" smtClean="0"/>
+              <a:rPr lang="en-US"/>
               <a:t>Third level</a:t>
             </a:r>
           </a:p>
           <a:p>
             <a:pPr lvl="3"/>
             <a:r>
-              <a:rPr lang="en-US" smtClean="0"/>
+              <a:rPr lang="en-US"/>
               <a:t>Fourth level</a:t>
             </a:r>
           </a:p>
           <a:p>
             <a:pPr lvl="4"/>
             <a:r>
-              <a:rPr lang="en-US" smtClean="0"/>
+              <a:rPr lang="en-US"/>
               <a:t>Fifth level</a:t>
             </a:r>
-            <a:endParaRPr lang="en-US"/>
           </a:p>
         </p:txBody>
       </p:sp>
@@ -1252,7 +4289,7 @@
           <a:p>
             <a:fld id="{88144BA3-DF5C-4D4D-AD1F-D6D6D1AE6436}" type="datetimeFigureOut">
               <a:rPr lang="en-US" smtClean="0"/>
-              <a:t>5/19/2016</a:t>
+              <a:t>1/20/2017</a:t>
             </a:fld>
             <a:endParaRPr lang="en-US"/>
           </a:p>
@@ -1351,10 +4388,9 @@
           <a:lstStyle/>
           <a:p>
             <a:r>
-              <a:rPr lang="en-US" smtClean="0"/>
+              <a:rPr lang="en-US"/>
               <a:t>Click to edit Master title style</a:t>
             </a:r>
-            <a:endParaRPr lang="en-US"/>
           </a:p>
         </p:txBody>
       </p:sp>
@@ -1417,7 +4453,7 @@
           <a:p>
             <a:pPr lvl="0"/>
             <a:r>
-              <a:rPr lang="en-US" smtClean="0"/>
+              <a:rPr lang="en-US"/>
               <a:t>Edit Master text styles</a:t>
             </a:r>
           </a:p>
@@ -1445,38 +4481,37 @@
           <a:p>
             <a:pPr lvl="0"/>
             <a:r>
-              <a:rPr lang="en-US" smtClean="0"/>
+              <a:rPr lang="en-US"/>
               <a:t>Edit Master text styles</a:t>
             </a:r>
           </a:p>
           <a:p>
             <a:pPr lvl="1"/>
             <a:r>
-              <a:rPr lang="en-US" smtClean="0"/>
+              <a:rPr lang="en-US"/>
               <a:t>Second level</a:t>
             </a:r>
           </a:p>
           <a:p>
             <a:pPr lvl="2"/>
             <a:r>
-              <a:rPr lang="en-US" smtClean="0"/>
+              <a:rPr lang="en-US"/>
               <a:t>Third level</a:t>
             </a:r>
           </a:p>
           <a:p>
             <a:pPr lvl="3"/>
             <a:r>
-              <a:rPr lang="en-US" smtClean="0"/>
+              <a:rPr lang="en-US"/>
               <a:t>Fourth level</a:t>
             </a:r>
           </a:p>
           <a:p>
             <a:pPr lvl="4"/>
             <a:r>
-              <a:rPr lang="en-US" smtClean="0"/>
+              <a:rPr lang="en-US"/>
               <a:t>Fifth level</a:t>
             </a:r>
-            <a:endParaRPr lang="en-US"/>
           </a:p>
         </p:txBody>
       </p:sp>
@@ -1539,7 +4574,7 @@
           <a:p>
             <a:pPr lvl="0"/>
             <a:r>
-              <a:rPr lang="en-US" smtClean="0"/>
+              <a:rPr lang="en-US"/>
               <a:t>Edit Master text styles</a:t>
             </a:r>
           </a:p>
@@ -1567,38 +4602,37 @@
           <a:p>
             <a:pPr lvl="0"/>
             <a:r>
-              <a:rPr lang="en-US" smtClean="0"/>
+              <a:rPr lang="en-US"/>
               <a:t>Edit Master text styles</a:t>
             </a:r>
           </a:p>
           <a:p>
             <a:pPr lvl="1"/>
             <a:r>
-              <a:rPr lang="en-US" smtClean="0"/>
+              <a:rPr lang="en-US"/>
               <a:t>Second level</a:t>
             </a:r>
           </a:p>
           <a:p>
             <a:pPr lvl="2"/>
             <a:r>
-              <a:rPr lang="en-US" smtClean="0"/>
+              <a:rPr lang="en-US"/>
               <a:t>Third level</a:t>
             </a:r>
           </a:p>
           <a:p>
             <a:pPr lvl="3"/>
             <a:r>
-              <a:rPr lang="en-US" smtClean="0"/>
+              <a:rPr lang="en-US"/>
               <a:t>Fourth level</a:t>
             </a:r>
           </a:p>
           <a:p>
             <a:pPr lvl="4"/>
             <a:r>
-              <a:rPr lang="en-US" smtClean="0"/>
+              <a:rPr lang="en-US"/>
               <a:t>Fifth level</a:t>
             </a:r>
-            <a:endParaRPr lang="en-US"/>
           </a:p>
         </p:txBody>
       </p:sp>
@@ -1619,7 +4653,7 @@
           <a:p>
             <a:fld id="{88144BA3-DF5C-4D4D-AD1F-D6D6D1AE6436}" type="datetimeFigureOut">
               <a:rPr lang="en-US" smtClean="0"/>
-              <a:t>5/19/2016</a:t>
+              <a:t>1/20/2017</a:t>
             </a:fld>
             <a:endParaRPr lang="en-US"/>
           </a:p>
@@ -1713,10 +4747,9 @@
           <a:lstStyle/>
           <a:p>
             <a:r>
-              <a:rPr lang="en-US" smtClean="0"/>
+              <a:rPr lang="en-US"/>
               <a:t>Click to edit Master title style</a:t>
             </a:r>
-            <a:endParaRPr lang="en-US"/>
           </a:p>
         </p:txBody>
       </p:sp>
@@ -1737,7 +4770,7 @@
           <a:p>
             <a:fld id="{88144BA3-DF5C-4D4D-AD1F-D6D6D1AE6436}" type="datetimeFigureOut">
               <a:rPr lang="en-US" smtClean="0"/>
-              <a:t>5/19/2016</a:t>
+              <a:t>1/20/2017</a:t>
             </a:fld>
             <a:endParaRPr lang="en-US"/>
           </a:p>
@@ -1832,7 +4865,7 @@
           <a:p>
             <a:fld id="{88144BA3-DF5C-4D4D-AD1F-D6D6D1AE6436}" type="datetimeFigureOut">
               <a:rPr lang="en-US" smtClean="0"/>
-              <a:t>5/19/2016</a:t>
+              <a:t>1/20/2017</a:t>
             </a:fld>
             <a:endParaRPr lang="en-US"/>
           </a:p>
@@ -1935,10 +4968,9 @@
           </a:lstStyle>
           <a:p>
             <a:r>
-              <a:rPr lang="en-US" smtClean="0"/>
+              <a:rPr lang="en-US"/>
               <a:t>Click to edit Master title style</a:t>
             </a:r>
-            <a:endParaRPr lang="en-US"/>
           </a:p>
         </p:txBody>
       </p:sp>
@@ -1992,38 +5024,37 @@
           <a:p>
             <a:pPr lvl="0"/>
             <a:r>
-              <a:rPr lang="en-US" smtClean="0"/>
+              <a:rPr lang="en-US"/>
               <a:t>Edit Master text styles</a:t>
             </a:r>
           </a:p>
           <a:p>
             <a:pPr lvl="1"/>
             <a:r>
-              <a:rPr lang="en-US" smtClean="0"/>
+              <a:rPr lang="en-US"/>
               <a:t>Second level</a:t>
             </a:r>
           </a:p>
           <a:p>
             <a:pPr lvl="2"/>
             <a:r>
-              <a:rPr lang="en-US" smtClean="0"/>
+              <a:rPr lang="en-US"/>
               <a:t>Third level</a:t>
             </a:r>
           </a:p>
           <a:p>
             <a:pPr lvl="3"/>
             <a:r>
-              <a:rPr lang="en-US" smtClean="0"/>
+              <a:rPr lang="en-US"/>
               <a:t>Fourth level</a:t>
             </a:r>
           </a:p>
           <a:p>
             <a:pPr lvl="4"/>
             <a:r>
-              <a:rPr lang="en-US" smtClean="0"/>
+              <a:rPr lang="en-US"/>
               <a:t>Fifth level</a:t>
             </a:r>
-            <a:endParaRPr lang="en-US"/>
           </a:p>
         </p:txBody>
       </p:sp>
@@ -2086,7 +5117,7 @@
           <a:p>
             <a:pPr lvl="0"/>
             <a:r>
-              <a:rPr lang="en-US" smtClean="0"/>
+              <a:rPr lang="en-US"/>
               <a:t>Edit Master text styles</a:t>
             </a:r>
           </a:p>
@@ -2109,7 +5140,7 @@
           <a:p>
             <a:fld id="{88144BA3-DF5C-4D4D-AD1F-D6D6D1AE6436}" type="datetimeFigureOut">
               <a:rPr lang="en-US" smtClean="0"/>
-              <a:t>5/19/2016</a:t>
+              <a:t>1/20/2017</a:t>
             </a:fld>
             <a:endParaRPr lang="en-US"/>
           </a:p>
@@ -2212,10 +5243,9 @@
           </a:lstStyle>
           <a:p>
             <a:r>
-              <a:rPr lang="en-US" smtClean="0"/>
+              <a:rPr lang="en-US"/>
               <a:t>Click to edit Master title style</a:t>
             </a:r>
-            <a:endParaRPr lang="en-US"/>
           </a:p>
         </p:txBody>
       </p:sp>
@@ -2339,7 +5369,7 @@
           <a:p>
             <a:pPr lvl="0"/>
             <a:r>
-              <a:rPr lang="en-US" smtClean="0"/>
+              <a:rPr lang="en-US"/>
               <a:t>Edit Master text styles</a:t>
             </a:r>
           </a:p>
@@ -2362,7 +5392,7 @@
           <a:p>
             <a:fld id="{88144BA3-DF5C-4D4D-AD1F-D6D6D1AE6436}" type="datetimeFigureOut">
               <a:rPr lang="en-US" smtClean="0"/>
-              <a:t>5/19/2016</a:t>
+              <a:t>1/20/2017</a:t>
             </a:fld>
             <a:endParaRPr lang="en-US"/>
           </a:p>
@@ -2471,10 +5501,9 @@
           <a:lstStyle/>
           <a:p>
             <a:r>
-              <a:rPr lang="en-US" smtClean="0"/>
+              <a:rPr lang="en-US"/>
               <a:t>Click to edit Master title style</a:t>
             </a:r>
-            <a:endParaRPr lang="en-US"/>
           </a:p>
         </p:txBody>
       </p:sp>
@@ -2505,38 +5534,37 @@
           <a:p>
             <a:pPr lvl="0"/>
             <a:r>
-              <a:rPr lang="en-US" smtClean="0"/>
+              <a:rPr lang="en-US"/>
               <a:t>Edit Master text styles</a:t>
             </a:r>
           </a:p>
           <a:p>
             <a:pPr lvl="1"/>
             <a:r>
-              <a:rPr lang="en-US" smtClean="0"/>
+              <a:rPr lang="en-US"/>
               <a:t>Second level</a:t>
             </a:r>
           </a:p>
           <a:p>
             <a:pPr lvl="2"/>
             <a:r>
-              <a:rPr lang="en-US" smtClean="0"/>
+              <a:rPr lang="en-US"/>
               <a:t>Third level</a:t>
             </a:r>
           </a:p>
           <a:p>
             <a:pPr lvl="3"/>
             <a:r>
-              <a:rPr lang="en-US" smtClean="0"/>
+              <a:rPr lang="en-US"/>
               <a:t>Fourth level</a:t>
             </a:r>
           </a:p>
           <a:p>
             <a:pPr lvl="4"/>
             <a:r>
-              <a:rPr lang="en-US" smtClean="0"/>
+              <a:rPr lang="en-US"/>
               <a:t>Fifth level</a:t>
             </a:r>
-            <a:endParaRPr lang="en-US"/>
           </a:p>
         </p:txBody>
       </p:sp>
@@ -2575,7 +5603,7 @@
           <a:p>
             <a:fld id="{88144BA3-DF5C-4D4D-AD1F-D6D6D1AE6436}" type="datetimeFigureOut">
               <a:rPr lang="en-US" smtClean="0"/>
-              <a:t>5/19/2016</a:t>
+              <a:t>1/20/2017</a:t>
             </a:fld>
             <a:endParaRPr lang="en-US"/>
           </a:p>
@@ -3241,7 +6269,7 @@
             <a:lstStyle/>
             <a:p>
               <a:r>
-                <a:rPr lang="en-US" b="1" dirty="0" smtClean="0">
+                <a:rPr lang="en-US" b="1" dirty="0">
                   <a:latin typeface="Courier New" panose="02070309020205020404" pitchFamily="49" charset="0"/>
                   <a:cs typeface="Courier New" panose="02070309020205020404" pitchFamily="49" charset="0"/>
                 </a:rPr>
@@ -3250,7 +6278,7 @@
             </a:p>
             <a:p>
               <a:r>
-                <a:rPr lang="en-US" b="1" dirty="0" smtClean="0">
+                <a:rPr lang="en-US" b="1" dirty="0">
                   <a:latin typeface="Courier New" panose="02070309020205020404" pitchFamily="49" charset="0"/>
                   <a:cs typeface="Courier New" panose="02070309020205020404" pitchFamily="49" charset="0"/>
                 </a:rPr>
@@ -3263,39 +6291,17 @@
                   <a:latin typeface="Courier New" panose="02070309020205020404" pitchFamily="49" charset="0"/>
                   <a:cs typeface="Courier New" panose="02070309020205020404" pitchFamily="49" charset="0"/>
                 </a:rPr>
-                <a:t> </a:t>
+                <a:t>  ...</a:t>
               </a:r>
-              <a:r>
-                <a:rPr lang="en-US" b="1" dirty="0" smtClean="0">
-                  <a:latin typeface="Courier New" panose="02070309020205020404" pitchFamily="49" charset="0"/>
-                  <a:cs typeface="Courier New" panose="02070309020205020404" pitchFamily="49" charset="0"/>
-                </a:rPr>
-                <a:t> </a:t>
-              </a:r>
-              <a:r>
-                <a:rPr lang="en-US" b="1" dirty="0" smtClean="0">
-                  <a:latin typeface="Courier New" panose="02070309020205020404" pitchFamily="49" charset="0"/>
-                  <a:cs typeface="Courier New" panose="02070309020205020404" pitchFamily="49" charset="0"/>
-                </a:rPr>
-                <a:t>...</a:t>
-              </a:r>
-              <a:endParaRPr lang="en-US" b="1" dirty="0" smtClean="0">
-                <a:latin typeface="Courier New" panose="02070309020205020404" pitchFamily="49" charset="0"/>
-                <a:cs typeface="Courier New" panose="02070309020205020404" pitchFamily="49" charset="0"/>
-              </a:endParaRPr>
             </a:p>
             <a:p>
               <a:r>
-                <a:rPr lang="en-US" b="1" dirty="0" smtClean="0">
+                <a:rPr lang="en-US" b="1" dirty="0">
                   <a:latin typeface="Courier New" panose="02070309020205020404" pitchFamily="49" charset="0"/>
                   <a:cs typeface="Courier New" panose="02070309020205020404" pitchFamily="49" charset="0"/>
                 </a:rPr>
                 <a:t>]</a:t>
               </a:r>
-              <a:endParaRPr lang="en-US" b="1" dirty="0">
-                <a:latin typeface="Courier New" panose="02070309020205020404" pitchFamily="49" charset="0"/>
-                <a:cs typeface="Courier New" panose="02070309020205020404" pitchFamily="49" charset="0"/>
-              </a:endParaRPr>
             </a:p>
           </p:txBody>
         </p:sp>
@@ -3345,16 +6351,12 @@
             <a:p>
               <a:pPr algn="ctr"/>
               <a:r>
-                <a:rPr lang="en-US" sz="2400" b="1" dirty="0" smtClean="0">
+                <a:rPr lang="en-US" sz="2400" b="1" dirty="0">
                   <a:latin typeface="Courier New" panose="02070309020205020404" pitchFamily="49" charset="0"/>
                   <a:cs typeface="Courier New" panose="02070309020205020404" pitchFamily="49" charset="0"/>
                 </a:rPr>
                 <a:t>JSON</a:t>
               </a:r>
-              <a:endParaRPr lang="en-US" sz="2400" b="1" dirty="0">
-                <a:latin typeface="Courier New" panose="02070309020205020404" pitchFamily="49" charset="0"/>
-                <a:cs typeface="Courier New" panose="02070309020205020404" pitchFamily="49" charset="0"/>
-              </a:endParaRPr>
             </a:p>
           </p:txBody>
         </p:sp>
@@ -3476,7 +6478,7 @@
             <a:lstStyle/>
             <a:p>
               <a:r>
-                <a:rPr lang="en-US" b="1" dirty="0" smtClean="0">
+                <a:rPr lang="en-US" b="1" dirty="0">
                   <a:latin typeface="Courier New" panose="02070309020205020404" pitchFamily="49" charset="0"/>
                   <a:cs typeface="Courier New" panose="02070309020205020404" pitchFamily="49" charset="0"/>
                 </a:rPr>
@@ -3485,7 +6487,7 @@
             </a:p>
             <a:p>
               <a:r>
-                <a:rPr lang="en-US" b="1" dirty="0" smtClean="0">
+                <a:rPr lang="en-US" b="1" dirty="0">
                   <a:latin typeface="Courier New" panose="02070309020205020404" pitchFamily="49" charset="0"/>
                   <a:cs typeface="Courier New" panose="02070309020205020404" pitchFamily="49" charset="0"/>
                 </a:rPr>
@@ -3498,28 +6500,17 @@
                   <a:latin typeface="Courier New" panose="02070309020205020404" pitchFamily="49" charset="0"/>
                   <a:cs typeface="Courier New" panose="02070309020205020404" pitchFamily="49" charset="0"/>
                 </a:rPr>
-                <a:t> </a:t>
-              </a:r>
-              <a:r>
-                <a:rPr lang="en-US" b="1" dirty="0" smtClean="0">
-                  <a:latin typeface="Courier New" panose="02070309020205020404" pitchFamily="49" charset="0"/>
-                  <a:cs typeface="Courier New" panose="02070309020205020404" pitchFamily="49" charset="0"/>
-                </a:rPr>
-                <a:t> 0,  27,</a:t>
+                <a:t>  0,  27,</a:t>
               </a:r>
             </a:p>
             <a:p>
               <a:r>
-                <a:rPr lang="en-US" b="1" dirty="0" smtClean="0">
+                <a:rPr lang="en-US" b="1" dirty="0">
                   <a:latin typeface="Courier New" panose="02070309020205020404" pitchFamily="49" charset="0"/>
                   <a:cs typeface="Courier New" panose="02070309020205020404" pitchFamily="49" charset="0"/>
                 </a:rPr>
                 <a:t>..., ...,</a:t>
               </a:r>
-              <a:endParaRPr lang="en-US" b="1" dirty="0">
-                <a:latin typeface="Courier New" panose="02070309020205020404" pitchFamily="49" charset="0"/>
-                <a:cs typeface="Courier New" panose="02070309020205020404" pitchFamily="49" charset="0"/>
-              </a:endParaRPr>
             </a:p>
           </p:txBody>
         </p:sp>
@@ -3569,16 +6560,12 @@
             <a:p>
               <a:pPr algn="ctr"/>
               <a:r>
-                <a:rPr lang="en-US" sz="2400" b="1" dirty="0" smtClean="0">
+                <a:rPr lang="en-US" sz="2400" b="1" dirty="0">
                   <a:latin typeface="Courier New" panose="02070309020205020404" pitchFamily="49" charset="0"/>
                   <a:cs typeface="Courier New" panose="02070309020205020404" pitchFamily="49" charset="0"/>
                 </a:rPr>
                 <a:t>CSV</a:t>
               </a:r>
-              <a:endParaRPr lang="en-US" sz="2400" b="1" dirty="0">
-                <a:latin typeface="Courier New" panose="02070309020205020404" pitchFamily="49" charset="0"/>
-                <a:cs typeface="Courier New" panose="02070309020205020404" pitchFamily="49" charset="0"/>
-              </a:endParaRPr>
             </a:p>
           </p:txBody>
         </p:sp>
@@ -3700,7 +6687,7 @@
             <a:lstStyle/>
             <a:p>
               <a:r>
-                <a:rPr lang="en-US" sz="1400" b="1" dirty="0" smtClean="0">
+                <a:rPr lang="en-US" sz="1400" b="1" dirty="0">
                   <a:latin typeface="Courier New" panose="02070309020205020404" pitchFamily="49" charset="0"/>
                   <a:cs typeface="Courier New" panose="02070309020205020404" pitchFamily="49" charset="0"/>
                 </a:rPr>
@@ -3713,23 +6700,12 @@
                   <a:latin typeface="Courier New" panose="02070309020205020404" pitchFamily="49" charset="0"/>
                   <a:cs typeface="Courier New" panose="02070309020205020404" pitchFamily="49" charset="0"/>
                 </a:rPr>
-                <a:t> </a:t>
+                <a:t>  ...</a:t>
               </a:r>
-              <a:r>
-                <a:rPr lang="en-US" sz="1400" b="1" dirty="0" smtClean="0">
-                  <a:latin typeface="Courier New" panose="02070309020205020404" pitchFamily="49" charset="0"/>
-                  <a:cs typeface="Courier New" panose="02070309020205020404" pitchFamily="49" charset="0"/>
-                </a:rPr>
-                <a:t> ...</a:t>
-              </a:r>
-              <a:endParaRPr lang="en-US" sz="1400" b="1" dirty="0" smtClean="0">
-                <a:latin typeface="Courier New" panose="02070309020205020404" pitchFamily="49" charset="0"/>
-                <a:cs typeface="Courier New" panose="02070309020205020404" pitchFamily="49" charset="0"/>
-              </a:endParaRPr>
             </a:p>
             <a:p>
               <a:r>
-                <a:rPr lang="en-US" sz="1400" b="1" dirty="0" smtClean="0">
+                <a:rPr lang="en-US" sz="1400" b="1" dirty="0">
                   <a:latin typeface="Courier New" panose="02070309020205020404" pitchFamily="49" charset="0"/>
                   <a:cs typeface="Courier New" panose="02070309020205020404" pitchFamily="49" charset="0"/>
                 </a:rPr>
@@ -3742,28 +6718,17 @@
                   <a:latin typeface="Courier New" panose="02070309020205020404" pitchFamily="49" charset="0"/>
                   <a:cs typeface="Courier New" panose="02070309020205020404" pitchFamily="49" charset="0"/>
                 </a:rPr>
-                <a:t> </a:t>
-              </a:r>
-              <a:r>
-                <a:rPr lang="en-US" sz="1400" b="1" dirty="0" smtClean="0">
-                  <a:latin typeface="Courier New" panose="02070309020205020404" pitchFamily="49" charset="0"/>
-                  <a:cs typeface="Courier New" panose="02070309020205020404" pitchFamily="49" charset="0"/>
-                </a:rPr>
-                <a:t> ...</a:t>
+                <a:t>  ...</a:t>
               </a:r>
             </a:p>
             <a:p>
               <a:r>
-                <a:rPr lang="en-US" sz="1400" b="1" dirty="0" smtClean="0">
+                <a:rPr lang="en-US" sz="1400" b="1" dirty="0">
                   <a:latin typeface="Courier New" panose="02070309020205020404" pitchFamily="49" charset="0"/>
                   <a:cs typeface="Courier New" panose="02070309020205020404" pitchFamily="49" charset="0"/>
                 </a:rPr>
                 <a:t>Databases:</a:t>
               </a:r>
-              <a:endParaRPr lang="en-US" sz="1400" b="1" dirty="0">
-                <a:latin typeface="Courier New" panose="02070309020205020404" pitchFamily="49" charset="0"/>
-                <a:cs typeface="Courier New" panose="02070309020205020404" pitchFamily="49" charset="0"/>
-              </a:endParaRPr>
             </a:p>
           </p:txBody>
         </p:sp>
@@ -3813,16 +6778,12 @@
             <a:p>
               <a:pPr algn="ctr"/>
               <a:r>
-                <a:rPr lang="en-US" sz="2400" b="1" dirty="0" smtClean="0">
+                <a:rPr lang="en-US" sz="2400" b="1" dirty="0">
                   <a:latin typeface="Courier New" panose="02070309020205020404" pitchFamily="49" charset="0"/>
                   <a:cs typeface="Courier New" panose="02070309020205020404" pitchFamily="49" charset="0"/>
                 </a:rPr>
                 <a:t>CORGIS</a:t>
               </a:r>
-              <a:endParaRPr lang="en-US" sz="2400" b="1" dirty="0">
-                <a:latin typeface="Courier New" panose="02070309020205020404" pitchFamily="49" charset="0"/>
-                <a:cs typeface="Courier New" panose="02070309020205020404" pitchFamily="49" charset="0"/>
-              </a:endParaRPr>
             </a:p>
           </p:txBody>
         </p:sp>
@@ -3944,38 +6905,31 @@
             <a:lstStyle/>
             <a:p>
               <a:r>
-                <a:rPr lang="en-US" b="1" dirty="0" smtClean="0">
+                <a:rPr lang="en-US" b="1" dirty="0">
                   <a:latin typeface="Courier New" panose="02070309020205020404" pitchFamily="49" charset="0"/>
                   <a:cs typeface="Courier New" panose="02070309020205020404" pitchFamily="49" charset="0"/>
                 </a:rPr>
                 <a:t>&lt;?xml </a:t>
               </a:r>
               <a:r>
-                <a:rPr lang="en-US" b="1" dirty="0" err="1" smtClean="0">
+                <a:rPr lang="en-US" b="1" dirty="0" err="1">
                   <a:latin typeface="Courier New" panose="02070309020205020404" pitchFamily="49" charset="0"/>
                   <a:cs typeface="Courier New" panose="02070309020205020404" pitchFamily="49" charset="0"/>
                 </a:rPr>
                 <a:t>ver</a:t>
               </a:r>
-              <a:endParaRPr lang="en-US" b="1" dirty="0" smtClean="0">
+              <a:endParaRPr lang="en-US" b="1" dirty="0">
                 <a:latin typeface="Courier New" panose="02070309020205020404" pitchFamily="49" charset="0"/>
                 <a:cs typeface="Courier New" panose="02070309020205020404" pitchFamily="49" charset="0"/>
               </a:endParaRPr>
             </a:p>
             <a:p>
               <a:r>
-                <a:rPr lang="en-US" b="1" dirty="0" smtClean="0">
+                <a:rPr lang="en-US" b="1" dirty="0">
                   <a:latin typeface="Courier New" panose="02070309020205020404" pitchFamily="49" charset="0"/>
                   <a:cs typeface="Courier New" panose="02070309020205020404" pitchFamily="49" charset="0"/>
                 </a:rPr>
-                <a:t>&lt;catalog</a:t>
-              </a:r>
-              <a:r>
-                <a:rPr lang="en-US" b="1" dirty="0" smtClean="0">
-                  <a:latin typeface="Courier New" panose="02070309020205020404" pitchFamily="49" charset="0"/>
-                  <a:cs typeface="Courier New" panose="02070309020205020404" pitchFamily="49" charset="0"/>
-                </a:rPr>
-                <a:t>&gt;</a:t>
+                <a:t>&lt;catalog&gt;</a:t>
               </a:r>
             </a:p>
             <a:p>
@@ -3984,28 +6938,17 @@
                   <a:latin typeface="Courier New" panose="02070309020205020404" pitchFamily="49" charset="0"/>
                   <a:cs typeface="Courier New" panose="02070309020205020404" pitchFamily="49" charset="0"/>
                 </a:rPr>
-                <a:t> </a:t>
-              </a:r>
-              <a:r>
-                <a:rPr lang="en-US" b="1" dirty="0" smtClean="0">
-                  <a:latin typeface="Courier New" panose="02070309020205020404" pitchFamily="49" charset="0"/>
-                  <a:cs typeface="Courier New" panose="02070309020205020404" pitchFamily="49" charset="0"/>
-                </a:rPr>
-                <a:t> &lt;book&gt;</a:t>
+                <a:t>  &lt;book&gt;</a:t>
               </a:r>
             </a:p>
             <a:p>
               <a:r>
-                <a:rPr lang="en-US" b="1" dirty="0" smtClean="0">
+                <a:rPr lang="en-US" b="1" dirty="0">
                   <a:latin typeface="Courier New" panose="02070309020205020404" pitchFamily="49" charset="0"/>
                   <a:cs typeface="Courier New" panose="02070309020205020404" pitchFamily="49" charset="0"/>
                 </a:rPr>
                 <a:t>  ...</a:t>
               </a:r>
-              <a:endParaRPr lang="en-US" b="1" dirty="0" smtClean="0">
-                <a:latin typeface="Courier New" panose="02070309020205020404" pitchFamily="49" charset="0"/>
-                <a:cs typeface="Courier New" panose="02070309020205020404" pitchFamily="49" charset="0"/>
-              </a:endParaRPr>
             </a:p>
           </p:txBody>
         </p:sp>
@@ -4055,16 +6998,12 @@
             <a:p>
               <a:pPr algn="ctr"/>
               <a:r>
-                <a:rPr lang="en-US" sz="2400" b="1" dirty="0" smtClean="0">
+                <a:rPr lang="en-US" sz="2400" b="1" dirty="0">
                   <a:latin typeface="Courier New" panose="02070309020205020404" pitchFamily="49" charset="0"/>
                   <a:cs typeface="Courier New" panose="02070309020205020404" pitchFamily="49" charset="0"/>
                 </a:rPr>
                 <a:t>XML</a:t>
               </a:r>
-              <a:endParaRPr lang="en-US" sz="2400" b="1" dirty="0">
-                <a:latin typeface="Courier New" panose="02070309020205020404" pitchFamily="49" charset="0"/>
-                <a:cs typeface="Courier New" panose="02070309020205020404" pitchFamily="49" charset="0"/>
-              </a:endParaRPr>
             </a:p>
           </p:txBody>
         </p:sp>
@@ -4186,7 +7125,7 @@
             <a:lstStyle/>
             <a:p>
               <a:r>
-                <a:rPr lang="da-DK" sz="1400" b="1" dirty="0" smtClean="0">
+                <a:rPr lang="da-DK" sz="1400" b="1" dirty="0">
                   <a:latin typeface="Courier New" panose="02070309020205020404" pitchFamily="49" charset="0"/>
                   <a:cs typeface="Courier New" panose="02070309020205020404" pitchFamily="49" charset="0"/>
                 </a:rPr>
@@ -4245,16 +7184,12 @@
             <a:p>
               <a:pPr algn="ctr"/>
               <a:r>
-                <a:rPr lang="en-US" sz="2400" b="1" dirty="0" smtClean="0">
+                <a:rPr lang="en-US" sz="2400" b="1" dirty="0">
                   <a:latin typeface="Courier New" panose="02070309020205020404" pitchFamily="49" charset="0"/>
                   <a:cs typeface="Courier New" panose="02070309020205020404" pitchFamily="49" charset="0"/>
                 </a:rPr>
                 <a:t>TXT</a:t>
               </a:r>
-              <a:endParaRPr lang="en-US" sz="2400" b="1" dirty="0">
-                <a:latin typeface="Courier New" panose="02070309020205020404" pitchFamily="49" charset="0"/>
-                <a:cs typeface="Courier New" panose="02070309020205020404" pitchFamily="49" charset="0"/>
-              </a:endParaRPr>
             </a:p>
           </p:txBody>
         </p:sp>
@@ -4376,7 +7311,7 @@
             <a:lstStyle/>
             <a:p>
               <a:r>
-                <a:rPr lang="en-US" b="1" dirty="0" smtClean="0">
+                <a:rPr lang="en-US" b="1" dirty="0">
                   <a:latin typeface="Courier New" panose="02070309020205020404" pitchFamily="49" charset="0"/>
                   <a:cs typeface="Courier New" panose="02070309020205020404" pitchFamily="49" charset="0"/>
                 </a:rPr>
@@ -4385,7 +7320,7 @@
             </a:p>
             <a:p>
               <a:r>
-                <a:rPr lang="en-US" b="1" dirty="0" smtClean="0">
+                <a:rPr lang="en-US" b="1" dirty="0">
                   <a:latin typeface="Courier New" panose="02070309020205020404" pitchFamily="49" charset="0"/>
                   <a:cs typeface="Courier New" panose="02070309020205020404" pitchFamily="49" charset="0"/>
                 </a:rPr>
@@ -4394,7 +7329,7 @@
             </a:p>
             <a:p>
               <a:r>
-                <a:rPr lang="en-US" b="1" dirty="0" smtClean="0">
+                <a:rPr lang="en-US" b="1" dirty="0">
                   <a:latin typeface="Courier New" panose="02070309020205020404" pitchFamily="49" charset="0"/>
                   <a:cs typeface="Courier New" panose="02070309020205020404" pitchFamily="49" charset="0"/>
                 </a:rPr>
@@ -4403,16 +7338,12 @@
             </a:p>
             <a:p>
               <a:r>
-                <a:rPr lang="en-US" b="1" dirty="0" smtClean="0">
+                <a:rPr lang="en-US" b="1" dirty="0">
                   <a:latin typeface="Courier New" panose="02070309020205020404" pitchFamily="49" charset="0"/>
                   <a:cs typeface="Courier New" panose="02070309020205020404" pitchFamily="49" charset="0"/>
                 </a:rPr>
                 <a:t>   ...</a:t>
               </a:r>
-              <a:endParaRPr lang="en-US" b="1" dirty="0">
-                <a:latin typeface="Courier New" panose="02070309020205020404" pitchFamily="49" charset="0"/>
-                <a:cs typeface="Courier New" panose="02070309020205020404" pitchFamily="49" charset="0"/>
-              </a:endParaRPr>
             </a:p>
           </p:txBody>
         </p:sp>
@@ -4464,16 +7395,12 @@
             <a:p>
               <a:pPr algn="ctr"/>
               <a:r>
-                <a:rPr lang="en-US" sz="2400" b="1" dirty="0" smtClean="0">
+                <a:rPr lang="en-US" sz="2400" b="1" dirty="0">
                   <a:latin typeface="Courier New" panose="02070309020205020404" pitchFamily="49" charset="0"/>
                   <a:cs typeface="Courier New" panose="02070309020205020404" pitchFamily="49" charset="0"/>
                 </a:rPr>
                 <a:t>HTML</a:t>
               </a:r>
-              <a:endParaRPr lang="en-US" sz="2400" b="1" dirty="0">
-                <a:latin typeface="Courier New" panose="02070309020205020404" pitchFamily="49" charset="0"/>
-                <a:cs typeface="Courier New" panose="02070309020205020404" pitchFamily="49" charset="0"/>
-              </a:endParaRPr>
             </a:p>
           </p:txBody>
         </p:sp>
@@ -4513,14 +7440,11 @@
           <a:p>
             <a:pPr algn="ctr"/>
             <a:r>
-              <a:rPr lang="en-US" sz="2400" b="1" dirty="0" smtClean="0">
+              <a:rPr lang="en-US" sz="2400" b="1" dirty="0">
                 <a:latin typeface="Palatino Linotype" panose="02040502050505030304" pitchFamily="18" charset="0"/>
               </a:rPr>
               <a:t>Preprocess</a:t>
             </a:r>
-            <a:endParaRPr lang="en-US" sz="2400" b="1" dirty="0">
-              <a:latin typeface="Palatino Linotype" panose="02040502050505030304" pitchFamily="18" charset="0"/>
-            </a:endParaRPr>
           </a:p>
         </p:txBody>
       </p:sp>
@@ -4559,14 +7483,11 @@
           <a:p>
             <a:pPr algn="ctr"/>
             <a:r>
-              <a:rPr lang="en-US" sz="2400" b="1" dirty="0" smtClean="0">
+              <a:rPr lang="en-US" sz="2400" b="1" dirty="0">
                 <a:latin typeface="Palatino Linotype" panose="02040502050505030304" pitchFamily="18" charset="0"/>
               </a:rPr>
               <a:t>Build</a:t>
             </a:r>
-            <a:endParaRPr lang="en-US" sz="2400" b="1" dirty="0">
-              <a:latin typeface="Palatino Linotype" panose="02040502050505030304" pitchFamily="18" charset="0"/>
-            </a:endParaRPr>
           </a:p>
         </p:txBody>
       </p:sp>
@@ -4741,14 +7662,11 @@
           <a:p>
             <a:pPr algn="ctr"/>
             <a:r>
-              <a:rPr lang="en-US" sz="2800" b="1" dirty="0" smtClean="0">
+              <a:rPr lang="en-US" sz="2800" b="1" dirty="0">
                 <a:latin typeface="Palatino Linotype" panose="02040502050505030304" pitchFamily="18" charset="0"/>
               </a:rPr>
               <a:t>Raw Datasets</a:t>
             </a:r>
-            <a:endParaRPr lang="en-US" sz="2800" b="1" dirty="0">
-              <a:latin typeface="Palatino Linotype" panose="02040502050505030304" pitchFamily="18" charset="0"/>
-            </a:endParaRPr>
           </a:p>
         </p:txBody>
       </p:sp>
@@ -4776,14 +7694,11 @@
           <a:p>
             <a:pPr algn="ctr"/>
             <a:r>
-              <a:rPr lang="en-US" sz="2800" b="1" dirty="0" smtClean="0">
+              <a:rPr lang="en-US" sz="2800" b="1" dirty="0">
                 <a:latin typeface="Palatino Linotype" panose="02040502050505030304" pitchFamily="18" charset="0"/>
               </a:rPr>
               <a:t>Cleaned Data</a:t>
             </a:r>
-            <a:endParaRPr lang="en-US" sz="2800" b="1" dirty="0">
-              <a:latin typeface="Palatino Linotype" panose="02040502050505030304" pitchFamily="18" charset="0"/>
-            </a:endParaRPr>
           </a:p>
         </p:txBody>
       </p:sp>
@@ -4811,14 +7726,11 @@
           <a:p>
             <a:pPr algn="ctr"/>
             <a:r>
-              <a:rPr lang="en-US" sz="2800" b="1" dirty="0" smtClean="0">
+              <a:rPr lang="en-US" sz="2800" b="1" dirty="0">
                 <a:latin typeface="Palatino Linotype" panose="02040502050505030304" pitchFamily="18" charset="0"/>
               </a:rPr>
               <a:t>Final Datasets</a:t>
             </a:r>
-            <a:endParaRPr lang="en-US" sz="2800" b="1" dirty="0">
-              <a:latin typeface="Palatino Linotype" panose="02040502050505030304" pitchFamily="18" charset="0"/>
-            </a:endParaRPr>
           </a:p>
         </p:txBody>
       </p:sp>
@@ -5066,14 +7978,11 @@
           <a:p>
             <a:pPr algn="ctr"/>
             <a:r>
-              <a:rPr lang="en-US" sz="2800" b="1" dirty="0" smtClean="0">
+              <a:rPr lang="en-US" sz="2800" b="1" dirty="0">
                 <a:latin typeface="Palatino Linotype" panose="02040502050505030304" pitchFamily="18" charset="0"/>
               </a:rPr>
               <a:t>Specification File</a:t>
             </a:r>
-            <a:endParaRPr lang="en-US" sz="2800" b="1" dirty="0">
-              <a:latin typeface="Palatino Linotype" panose="02040502050505030304" pitchFamily="18" charset="0"/>
-            </a:endParaRPr>
           </a:p>
         </p:txBody>
       </p:sp>
@@ -5081,6 +7990,58 @@
     <p:extLst>
       <p:ext uri="{BB962C8B-B14F-4D97-AF65-F5344CB8AC3E}">
         <p14:creationId xmlns:p14="http://schemas.microsoft.com/office/powerpoint/2010/main" val="3335234172"/>
+      </p:ext>
+    </p:extLst>
+  </p:cSld>
+  <p:clrMapOvr>
+    <a:masterClrMapping/>
+  </p:clrMapOvr>
+</p:sld>
+</file>
+
+<file path=ppt/slides/slide2.xml><?xml version="1.0" encoding="utf-8"?>
+<p:sld xmlns:a="http://schemas.openxmlformats.org/drawingml/2006/main" xmlns:r="http://schemas.openxmlformats.org/officeDocument/2006/relationships" xmlns:p="http://schemas.openxmlformats.org/presentationml/2006/main">
+  <p:cSld>
+    <p:spTree>
+      <p:nvGrpSpPr>
+        <p:cNvPr id="1" name=""/>
+        <p:cNvGrpSpPr/>
+        <p:nvPr/>
+      </p:nvGrpSpPr>
+      <p:grpSpPr>
+        <a:xfrm>
+          <a:off x="0" y="0"/>
+          <a:ext cx="0" cy="0"/>
+          <a:chOff x="0" y="0"/>
+          <a:chExt cx="0" cy="0"/>
+        </a:xfrm>
+      </p:grpSpPr>
+      <p:graphicFrame>
+        <p:nvGraphicFramePr>
+          <p:cNvPr id="18" name="Diagram 17"/>
+          <p:cNvGraphicFramePr/>
+          <p:nvPr>
+            <p:extLst>
+              <p:ext uri="{D42A27DB-BD31-4B8C-83A1-F6EECF244321}">
+                <p14:modId xmlns:p14="http://schemas.microsoft.com/office/powerpoint/2010/main" val="2532251984"/>
+              </p:ext>
+            </p:extLst>
+          </p:nvPr>
+        </p:nvGraphicFramePr>
+        <p:xfrm>
+          <a:off x="55418" y="0"/>
+          <a:ext cx="12192000" cy="6858000"/>
+        </p:xfrm>
+        <a:graphic>
+          <a:graphicData uri="http://schemas.openxmlformats.org/drawingml/2006/diagram">
+            <dgm:relIds xmlns:dgm="http://schemas.openxmlformats.org/drawingml/2006/diagram" xmlns:r="http://schemas.openxmlformats.org/officeDocument/2006/relationships" r:dm="rId2" r:lo="rId3" r:qs="rId4" r:cs="rId5"/>
+          </a:graphicData>
+        </a:graphic>
+      </p:graphicFrame>
+    </p:spTree>
+    <p:extLst>
+      <p:ext uri="{BB962C8B-B14F-4D97-AF65-F5344CB8AC3E}">
+        <p14:creationId xmlns:p14="http://schemas.microsoft.com/office/powerpoint/2010/main" val="757776841"/>
       </p:ext>
     </p:extLst>
   </p:cSld>
